--- a/_target/ПРЕЗЕНТАЦИЯ.pptx
+++ b/_target/ПРЕЗЕНТАЦИЯ.pptx
@@ -1974,7 +1974,7 @@
                 <a14:useLocalDpi xmlns:a14="http://schemas.microsoft.com/office/drawing/2010/main" val="0"/>
               </a:ext>
               <a:ext uri="{96DAC541-7B7A-43D3-8B79-37D633B846F1}">
-                <asvg:svgBlip xmlns="" xmlns:asvg="http://schemas.microsoft.com/office/drawing/2016/SVG/main" r:embed="rId2"/>
+                <asvg:svgBlip xmlns:asvg="http://schemas.microsoft.com/office/drawing/2016/SVG/main" xmlns="" r:embed="rId2"/>
               </a:ext>
             </a:extLst>
           </a:blip>
@@ -2034,7 +2034,7 @@
                 <a14:useLocalDpi xmlns:a14="http://schemas.microsoft.com/office/drawing/2010/main" val="0"/>
               </a:ext>
               <a:ext uri="{96DAC541-7B7A-43D3-8B79-37D633B846F1}">
-                <asvg:svgBlip xmlns="" xmlns:asvg="http://schemas.microsoft.com/office/drawing/2016/SVG/main" r:embed="rId4"/>
+                <asvg:svgBlip xmlns:asvg="http://schemas.microsoft.com/office/drawing/2016/SVG/main" xmlns="" r:embed="rId4"/>
               </a:ext>
             </a:extLst>
           </a:blip>
@@ -2094,7 +2094,7 @@
                 <a14:useLocalDpi xmlns:a14="http://schemas.microsoft.com/office/drawing/2010/main" val="0"/>
               </a:ext>
               <a:ext uri="{96DAC541-7B7A-43D3-8B79-37D633B846F1}">
-                <asvg:svgBlip xmlns="" xmlns:asvg="http://schemas.microsoft.com/office/drawing/2016/SVG/main" r:embed="rId6"/>
+                <asvg:svgBlip xmlns:asvg="http://schemas.microsoft.com/office/drawing/2016/SVG/main" xmlns="" r:embed="rId6"/>
               </a:ext>
             </a:extLst>
           </a:blip>
@@ -2560,8 +2560,8 @@
     <dgm:cxn modelId="{E8FDC109-B482-B84E-95EE-92A52C5C47F4}" type="presOf" srcId="{76D56F19-2708-49DB-8F92-D8AC45F23A9A}" destId="{D42A6699-F599-8045-897A-5A654DF673C0}" srcOrd="0" destOrd="0" presId="urn:microsoft.com/office/officeart/2016/7/layout/RepeatingBendingProcessNew"/>
     <dgm:cxn modelId="{32E90211-17E0-4DDF-9274-DD3E46D811B8}" srcId="{D4503D04-C97E-4622-AE07-D0307CB3B4CA}" destId="{76D56F19-2708-49DB-8F92-D8AC45F23A9A}" srcOrd="3" destOrd="0" parTransId="{9D5610C2-0A12-494A-AC46-8DD17C08B09F}" sibTransId="{EC8965A1-F755-4945-8AAC-DCF1F68F011E}"/>
     <dgm:cxn modelId="{F8B1B2F7-3A59-4853-AFE0-E65A212EE766}" srcId="{D4503D04-C97E-4622-AE07-D0307CB3B4CA}" destId="{B79ECDB7-B5CB-4EF6-A428-D91148A9CC29}" srcOrd="4" destOrd="0" parTransId="{253AC280-0C82-4047-88C9-7F5B6F548108}" sibTransId="{28C61579-17A1-4661-9A15-83039FA09613}"/>
+    <dgm:cxn modelId="{47016397-455F-EC49-8301-8A7FB8F85FB3}" type="presOf" srcId="{D4503D04-C97E-4622-AE07-D0307CB3B4CA}" destId="{C7117AA3-29D3-A641-A58D-533CC172901B}" srcOrd="0" destOrd="0" presId="urn:microsoft.com/office/officeart/2016/7/layout/RepeatingBendingProcessNew"/>
     <dgm:cxn modelId="{09D308B5-2DBA-41DE-948F-C158BD6B9430}" type="presOf" srcId="{EC8965A1-F755-4945-8AAC-DCF1F68F011E}" destId="{1963855F-10FA-4D4F-9B50-7CC7FF4354E3}" srcOrd="1" destOrd="0" presId="urn:microsoft.com/office/officeart/2016/7/layout/RepeatingBendingProcessNew"/>
-    <dgm:cxn modelId="{47016397-455F-EC49-8301-8A7FB8F85FB3}" type="presOf" srcId="{D4503D04-C97E-4622-AE07-D0307CB3B4CA}" destId="{C7117AA3-29D3-A641-A58D-533CC172901B}" srcOrd="0" destOrd="0" presId="urn:microsoft.com/office/officeart/2016/7/layout/RepeatingBendingProcessNew"/>
     <dgm:cxn modelId="{4B40C8DC-6B57-4F5B-8440-7241C649700B}" srcId="{D4503D04-C97E-4622-AE07-D0307CB3B4CA}" destId="{93A6A030-ABAB-4EFA-B539-0FDB3E07C1EF}" srcOrd="2" destOrd="0" parTransId="{3D674B97-6DC6-4A12-85BA-0976D3064237}" sibTransId="{BFE0749E-E343-4A6F-BD09-2810EE6B4BD7}"/>
     <dgm:cxn modelId="{FE75BCD7-BEFD-2B4A-857D-4205F1F546BF}" type="presOf" srcId="{AAC263CB-8256-4B03-92FE-1622698FB3E9}" destId="{591CA60E-213E-7B4B-B9DE-D89D137D3DA9}" srcOrd="0" destOrd="0" presId="urn:microsoft.com/office/officeart/2016/7/layout/RepeatingBendingProcessNew"/>
     <dgm:cxn modelId="{A9B54F08-706D-074E-8E9A-EBFEEAA22FAA}" type="presOf" srcId="{808B76D0-8EC7-469A-93AC-7A6017188A9D}" destId="{DBF0B936-C069-4B45-92D0-BC84490381D7}" srcOrd="1" destOrd="0" presId="urn:microsoft.com/office/officeart/2016/7/layout/RepeatingBendingProcessNew"/>
@@ -2602,6 +2602,456 @@
       <dsp:cNvGrpSpPr/>
     </dsp:nvGrpSpPr>
     <dsp:grpSpPr/>
+    <dsp:sp modelId="{DE4D0CB4-0619-47EF-A746-365405D39958}">
+      <dsp:nvSpPr>
+        <dsp:cNvPr id="0" name=""/>
+        <dsp:cNvSpPr/>
+      </dsp:nvSpPr>
+      <dsp:spPr>
+        <a:xfrm>
+          <a:off x="0" y="381"/>
+          <a:ext cx="4716462" cy="892410"/>
+        </a:xfrm>
+        <a:prstGeom prst="roundRect">
+          <a:avLst>
+            <a:gd name="adj" fmla="val 10000"/>
+          </a:avLst>
+        </a:prstGeom>
+        <a:solidFill>
+          <a:schemeClr val="accent5">
+            <a:hueOff val="0"/>
+            <a:satOff val="0"/>
+            <a:lumOff val="0"/>
+            <a:alphaOff val="0"/>
+          </a:schemeClr>
+        </a:solidFill>
+        <a:ln>
+          <a:noFill/>
+        </a:ln>
+        <a:effectLst/>
+      </dsp:spPr>
+      <dsp:style>
+        <a:lnRef idx="0">
+          <a:scrgbClr r="0" g="0" b="0"/>
+        </a:lnRef>
+        <a:fillRef idx="1">
+          <a:scrgbClr r="0" g="0" b="0"/>
+        </a:fillRef>
+        <a:effectRef idx="0">
+          <a:scrgbClr r="0" g="0" b="0"/>
+        </a:effectRef>
+        <a:fontRef idx="minor"/>
+      </dsp:style>
+    </dsp:sp>
+    <dsp:sp modelId="{ABC6D826-A6E6-42EC-BF0E-9025B33009B2}">
+      <dsp:nvSpPr>
+        <dsp:cNvPr id="0" name=""/>
+        <dsp:cNvSpPr/>
+      </dsp:nvSpPr>
+      <dsp:spPr>
+        <a:xfrm>
+          <a:off x="269954" y="201173"/>
+          <a:ext cx="490826" cy="490826"/>
+        </a:xfrm>
+        <a:prstGeom prst="rect">
+          <a:avLst/>
+        </a:prstGeom>
+        <a:blipFill>
+          <a:blip xmlns:r="http://schemas.openxmlformats.org/officeDocument/2006/relationships" r:embed="rId1">
+            <a:extLst>
+              <a:ext uri="{28A0092B-C50C-407E-A947-70E740481C1C}">
+                <a14:useLocalDpi xmlns:a14="http://schemas.microsoft.com/office/drawing/2010/main" val="0"/>
+              </a:ext>
+              <a:ext uri="{96DAC541-7B7A-43D3-8B79-37D633B846F1}">
+                <asvg:svgBlip xmlns:asvg="http://schemas.microsoft.com/office/drawing/2016/SVG/main" xmlns="" r:embed="rId2"/>
+              </a:ext>
+            </a:extLst>
+          </a:blip>
+          <a:stretch>
+            <a:fillRect/>
+          </a:stretch>
+        </a:blipFill>
+        <a:ln w="19050" cap="rnd" cmpd="sng" algn="ctr">
+          <a:noFill/>
+          <a:prstDash val="solid"/>
+        </a:ln>
+        <a:effectLst/>
+      </dsp:spPr>
+      <dsp:style>
+        <a:lnRef idx="2">
+          <a:scrgbClr r="0" g="0" b="0"/>
+        </a:lnRef>
+        <a:fillRef idx="1">
+          <a:scrgbClr r="0" g="0" b="0"/>
+        </a:fillRef>
+        <a:effectRef idx="0">
+          <a:scrgbClr r="0" g="0" b="0"/>
+        </a:effectRef>
+        <a:fontRef idx="minor">
+          <a:schemeClr val="lt1"/>
+        </a:fontRef>
+      </dsp:style>
+    </dsp:sp>
+    <dsp:sp modelId="{573FC8C9-03E6-4269-9DB7-824A4479C21C}">
+      <dsp:nvSpPr>
+        <dsp:cNvPr id="0" name=""/>
+        <dsp:cNvSpPr/>
+      </dsp:nvSpPr>
+      <dsp:spPr>
+        <a:xfrm>
+          <a:off x="1030734" y="381"/>
+          <a:ext cx="3685727" cy="892410"/>
+        </a:xfrm>
+        <a:prstGeom prst="rect">
+          <a:avLst/>
+        </a:prstGeom>
+        <a:noFill/>
+        <a:ln>
+          <a:noFill/>
+        </a:ln>
+        <a:effectLst/>
+      </dsp:spPr>
+      <dsp:style>
+        <a:lnRef idx="0">
+          <a:scrgbClr r="0" g="0" b="0"/>
+        </a:lnRef>
+        <a:fillRef idx="0">
+          <a:scrgbClr r="0" g="0" b="0"/>
+        </a:fillRef>
+        <a:effectRef idx="0">
+          <a:scrgbClr r="0" g="0" b="0"/>
+        </a:effectRef>
+        <a:fontRef idx="minor"/>
+      </dsp:style>
+      <dsp:txBody>
+        <a:bodyPr spcFirstLastPara="0" vert="horz" wrap="square" lIns="94447" tIns="94447" rIns="94447" bIns="94447" numCol="1" spcCol="1270" anchor="ctr" anchorCtr="0">
+          <a:noAutofit/>
+        </a:bodyPr>
+        <a:lstStyle/>
+        <a:p>
+          <a:pPr lvl="0" algn="l" defTabSz="1066800">
+            <a:lnSpc>
+              <a:spcPct val="100000"/>
+            </a:lnSpc>
+            <a:spcBef>
+              <a:spcPct val="0"/>
+            </a:spcBef>
+            <a:spcAft>
+              <a:spcPct val="35000"/>
+            </a:spcAft>
+          </a:pPr>
+          <a:r>
+            <a:rPr lang="en-US" sz="2400" kern="1200" dirty="0" smtClean="0"/>
+            <a:t>Oracle DB Services</a:t>
+          </a:r>
+          <a:endParaRPr lang="en-US" sz="2400" kern="1200" dirty="0"/>
+        </a:p>
+      </dsp:txBody>
+      <dsp:txXfrm>
+        <a:off x="1030734" y="381"/>
+        <a:ext cx="3685727" cy="892410"/>
+      </dsp:txXfrm>
+    </dsp:sp>
+    <dsp:sp modelId="{B58CA141-504B-412A-818E-73651C363A3D}">
+      <dsp:nvSpPr>
+        <dsp:cNvPr id="0" name=""/>
+        <dsp:cNvSpPr/>
+      </dsp:nvSpPr>
+      <dsp:spPr>
+        <a:xfrm>
+          <a:off x="0" y="1115895"/>
+          <a:ext cx="4716462" cy="892410"/>
+        </a:xfrm>
+        <a:prstGeom prst="roundRect">
+          <a:avLst>
+            <a:gd name="adj" fmla="val 10000"/>
+          </a:avLst>
+        </a:prstGeom>
+        <a:solidFill>
+          <a:schemeClr val="accent5">
+            <a:hueOff val="0"/>
+            <a:satOff val="0"/>
+            <a:lumOff val="0"/>
+            <a:alphaOff val="0"/>
+          </a:schemeClr>
+        </a:solidFill>
+        <a:ln>
+          <a:noFill/>
+        </a:ln>
+        <a:effectLst/>
+      </dsp:spPr>
+      <dsp:style>
+        <a:lnRef idx="0">
+          <a:scrgbClr r="0" g="0" b="0"/>
+        </a:lnRef>
+        <a:fillRef idx="1">
+          <a:scrgbClr r="0" g="0" b="0"/>
+        </a:fillRef>
+        <a:effectRef idx="0">
+          <a:scrgbClr r="0" g="0" b="0"/>
+        </a:effectRef>
+        <a:fontRef idx="minor"/>
+      </dsp:style>
+    </dsp:sp>
+    <dsp:sp modelId="{AFC95015-001F-49EB-8731-0714E310C46E}">
+      <dsp:nvSpPr>
+        <dsp:cNvPr id="0" name=""/>
+        <dsp:cNvSpPr/>
+      </dsp:nvSpPr>
+      <dsp:spPr>
+        <a:xfrm>
+          <a:off x="269954" y="1316687"/>
+          <a:ext cx="490826" cy="490826"/>
+        </a:xfrm>
+        <a:prstGeom prst="rect">
+          <a:avLst/>
+        </a:prstGeom>
+        <a:blipFill>
+          <a:blip xmlns:r="http://schemas.openxmlformats.org/officeDocument/2006/relationships" r:embed="rId3">
+            <a:extLst>
+              <a:ext uri="{28A0092B-C50C-407E-A947-70E740481C1C}">
+                <a14:useLocalDpi xmlns:a14="http://schemas.microsoft.com/office/drawing/2010/main" val="0"/>
+              </a:ext>
+              <a:ext uri="{96DAC541-7B7A-43D3-8B79-37D633B846F1}">
+                <asvg:svgBlip xmlns:asvg="http://schemas.microsoft.com/office/drawing/2016/SVG/main" xmlns="" r:embed="rId4"/>
+              </a:ext>
+            </a:extLst>
+          </a:blip>
+          <a:stretch>
+            <a:fillRect/>
+          </a:stretch>
+        </a:blipFill>
+        <a:ln w="19050" cap="rnd" cmpd="sng" algn="ctr">
+          <a:noFill/>
+          <a:prstDash val="solid"/>
+        </a:ln>
+        <a:effectLst/>
+      </dsp:spPr>
+      <dsp:style>
+        <a:lnRef idx="2">
+          <a:scrgbClr r="0" g="0" b="0"/>
+        </a:lnRef>
+        <a:fillRef idx="1">
+          <a:scrgbClr r="0" g="0" b="0"/>
+        </a:fillRef>
+        <a:effectRef idx="0">
+          <a:scrgbClr r="0" g="0" b="0"/>
+        </a:effectRef>
+        <a:fontRef idx="minor">
+          <a:schemeClr val="lt1"/>
+        </a:fontRef>
+      </dsp:style>
+    </dsp:sp>
+    <dsp:sp modelId="{8C6416B8-BF6E-4B19-A8CD-80E01FEB1ED8}">
+      <dsp:nvSpPr>
+        <dsp:cNvPr id="0" name=""/>
+        <dsp:cNvSpPr/>
+      </dsp:nvSpPr>
+      <dsp:spPr>
+        <a:xfrm>
+          <a:off x="1030734" y="1115895"/>
+          <a:ext cx="3685727" cy="892410"/>
+        </a:xfrm>
+        <a:prstGeom prst="rect">
+          <a:avLst/>
+        </a:prstGeom>
+        <a:noFill/>
+        <a:ln>
+          <a:noFill/>
+        </a:ln>
+        <a:effectLst/>
+      </dsp:spPr>
+      <dsp:style>
+        <a:lnRef idx="0">
+          <a:scrgbClr r="0" g="0" b="0"/>
+        </a:lnRef>
+        <a:fillRef idx="0">
+          <a:scrgbClr r="0" g="0" b="0"/>
+        </a:fillRef>
+        <a:effectRef idx="0">
+          <a:scrgbClr r="0" g="0" b="0"/>
+        </a:effectRef>
+        <a:fontRef idx="minor"/>
+      </dsp:style>
+      <dsp:txBody>
+        <a:bodyPr spcFirstLastPara="0" vert="horz" wrap="square" lIns="94447" tIns="94447" rIns="94447" bIns="94447" numCol="1" spcCol="1270" anchor="ctr" anchorCtr="0">
+          <a:noAutofit/>
+        </a:bodyPr>
+        <a:lstStyle/>
+        <a:p>
+          <a:pPr lvl="0" algn="l" defTabSz="1066800">
+            <a:lnSpc>
+              <a:spcPct val="100000"/>
+            </a:lnSpc>
+            <a:spcBef>
+              <a:spcPct val="0"/>
+            </a:spcBef>
+            <a:spcAft>
+              <a:spcPct val="35000"/>
+            </a:spcAft>
+          </a:pPr>
+          <a:r>
+            <a:rPr lang="en-US" sz="2400" kern="1200" dirty="0" smtClean="0"/>
+            <a:t>Oracle Remote Server</a:t>
+          </a:r>
+          <a:endParaRPr lang="en-US" sz="2400" kern="1200" dirty="0"/>
+        </a:p>
+      </dsp:txBody>
+      <dsp:txXfrm>
+        <a:off x="1030734" y="1115895"/>
+        <a:ext cx="3685727" cy="892410"/>
+      </dsp:txXfrm>
+    </dsp:sp>
+    <dsp:sp modelId="{2DD6782C-3741-43AC-8E3F-C7C2A5A092FE}">
+      <dsp:nvSpPr>
+        <dsp:cNvPr id="0" name=""/>
+        <dsp:cNvSpPr/>
+      </dsp:nvSpPr>
+      <dsp:spPr>
+        <a:xfrm>
+          <a:off x="0" y="2231408"/>
+          <a:ext cx="4716462" cy="892410"/>
+        </a:xfrm>
+        <a:prstGeom prst="roundRect">
+          <a:avLst>
+            <a:gd name="adj" fmla="val 10000"/>
+          </a:avLst>
+        </a:prstGeom>
+        <a:solidFill>
+          <a:schemeClr val="accent5">
+            <a:hueOff val="0"/>
+            <a:satOff val="0"/>
+            <a:lumOff val="0"/>
+            <a:alphaOff val="0"/>
+          </a:schemeClr>
+        </a:solidFill>
+        <a:ln>
+          <a:noFill/>
+        </a:ln>
+        <a:effectLst/>
+      </dsp:spPr>
+      <dsp:style>
+        <a:lnRef idx="0">
+          <a:scrgbClr r="0" g="0" b="0"/>
+        </a:lnRef>
+        <a:fillRef idx="1">
+          <a:scrgbClr r="0" g="0" b="0"/>
+        </a:fillRef>
+        <a:effectRef idx="0">
+          <a:scrgbClr r="0" g="0" b="0"/>
+        </a:effectRef>
+        <a:fontRef idx="minor"/>
+      </dsp:style>
+    </dsp:sp>
+    <dsp:sp modelId="{22E3D4D5-84E6-41EE-BF94-D56D24841B8B}">
+      <dsp:nvSpPr>
+        <dsp:cNvPr id="0" name=""/>
+        <dsp:cNvSpPr/>
+      </dsp:nvSpPr>
+      <dsp:spPr>
+        <a:xfrm>
+          <a:off x="269954" y="2432201"/>
+          <a:ext cx="490826" cy="490826"/>
+        </a:xfrm>
+        <a:prstGeom prst="rect">
+          <a:avLst/>
+        </a:prstGeom>
+        <a:blipFill>
+          <a:blip xmlns:r="http://schemas.openxmlformats.org/officeDocument/2006/relationships" r:embed="rId5">
+            <a:extLst>
+              <a:ext uri="{28A0092B-C50C-407E-A947-70E740481C1C}">
+                <a14:useLocalDpi xmlns:a14="http://schemas.microsoft.com/office/drawing/2010/main" val="0"/>
+              </a:ext>
+              <a:ext uri="{96DAC541-7B7A-43D3-8B79-37D633B846F1}">
+                <asvg:svgBlip xmlns:asvg="http://schemas.microsoft.com/office/drawing/2016/SVG/main" xmlns="" r:embed="rId6"/>
+              </a:ext>
+            </a:extLst>
+          </a:blip>
+          <a:stretch>
+            <a:fillRect/>
+          </a:stretch>
+        </a:blipFill>
+        <a:ln w="19050" cap="rnd" cmpd="sng" algn="ctr">
+          <a:noFill/>
+          <a:prstDash val="solid"/>
+        </a:ln>
+        <a:effectLst/>
+      </dsp:spPr>
+      <dsp:style>
+        <a:lnRef idx="2">
+          <a:scrgbClr r="0" g="0" b="0"/>
+        </a:lnRef>
+        <a:fillRef idx="1">
+          <a:scrgbClr r="0" g="0" b="0"/>
+        </a:fillRef>
+        <a:effectRef idx="0">
+          <a:scrgbClr r="0" g="0" b="0"/>
+        </a:effectRef>
+        <a:fontRef idx="minor">
+          <a:schemeClr val="lt1"/>
+        </a:fontRef>
+      </dsp:style>
+    </dsp:sp>
+    <dsp:sp modelId="{61C9C6B6-F051-4AFC-B696-34674ED32FC0}">
+      <dsp:nvSpPr>
+        <dsp:cNvPr id="0" name=""/>
+        <dsp:cNvSpPr/>
+      </dsp:nvSpPr>
+      <dsp:spPr>
+        <a:xfrm>
+          <a:off x="1030734" y="2231408"/>
+          <a:ext cx="3685727" cy="892410"/>
+        </a:xfrm>
+        <a:prstGeom prst="rect">
+          <a:avLst/>
+        </a:prstGeom>
+        <a:noFill/>
+        <a:ln>
+          <a:noFill/>
+        </a:ln>
+        <a:effectLst/>
+      </dsp:spPr>
+      <dsp:style>
+        <a:lnRef idx="0">
+          <a:scrgbClr r="0" g="0" b="0"/>
+        </a:lnRef>
+        <a:fillRef idx="0">
+          <a:scrgbClr r="0" g="0" b="0"/>
+        </a:fillRef>
+        <a:effectRef idx="0">
+          <a:scrgbClr r="0" g="0" b="0"/>
+        </a:effectRef>
+        <a:fontRef idx="minor"/>
+      </dsp:style>
+      <dsp:txBody>
+        <a:bodyPr spcFirstLastPara="0" vert="horz" wrap="square" lIns="94447" tIns="94447" rIns="94447" bIns="94447" numCol="1" spcCol="1270" anchor="ctr" anchorCtr="0">
+          <a:noAutofit/>
+        </a:bodyPr>
+        <a:lstStyle/>
+        <a:p>
+          <a:pPr lvl="0" algn="l" defTabSz="1066800">
+            <a:lnSpc>
+              <a:spcPct val="100000"/>
+            </a:lnSpc>
+            <a:spcBef>
+              <a:spcPct val="0"/>
+            </a:spcBef>
+            <a:spcAft>
+              <a:spcPct val="35000"/>
+            </a:spcAft>
+          </a:pPr>
+          <a:r>
+            <a:rPr lang="en-US" sz="2400" kern="1200" dirty="0" smtClean="0"/>
+            <a:t>GitHub Version Control</a:t>
+          </a:r>
+          <a:endParaRPr lang="en-US" sz="2400" kern="1200" dirty="0"/>
+        </a:p>
+      </dsp:txBody>
+      <dsp:txXfrm>
+        <a:off x="1030734" y="2231408"/>
+        <a:ext cx="3685727" cy="892410"/>
+      </dsp:txXfrm>
+    </dsp:sp>
   </dsp:spTree>
 </dsp:drawing>
 </file>
@@ -2614,6 +3064,713 @@
       <dsp:cNvGrpSpPr/>
     </dsp:nvGrpSpPr>
     <dsp:grpSpPr/>
+    <dsp:sp modelId="{0B9714F2-E001-9048-99B0-C46EAB1CEAC1}">
+      <dsp:nvSpPr>
+        <dsp:cNvPr id="0" name=""/>
+        <dsp:cNvSpPr/>
+      </dsp:nvSpPr>
+      <dsp:spPr>
+        <a:xfrm>
+          <a:off x="2220387" y="937992"/>
+          <a:ext cx="479148" cy="91440"/>
+        </a:xfrm>
+        <a:custGeom>
+          <a:avLst/>
+          <a:gdLst/>
+          <a:ahLst/>
+          <a:cxnLst/>
+          <a:rect l="0" t="0" r="0" b="0"/>
+          <a:pathLst>
+            <a:path>
+              <a:moveTo>
+                <a:pt x="0" y="45720"/>
+              </a:moveTo>
+              <a:lnTo>
+                <a:pt x="479148" y="45720"/>
+              </a:lnTo>
+            </a:path>
+          </a:pathLst>
+        </a:custGeom>
+        <a:noFill/>
+        <a:ln w="9525" cap="rnd" cmpd="sng" algn="ctr">
+          <a:solidFill>
+            <a:schemeClr val="accent2">
+              <a:hueOff val="0"/>
+              <a:satOff val="0"/>
+              <a:lumOff val="0"/>
+              <a:alphaOff val="0"/>
+            </a:schemeClr>
+          </a:solidFill>
+          <a:prstDash val="solid"/>
+          <a:tailEnd type="arrow"/>
+        </a:ln>
+        <a:effectLst/>
+      </dsp:spPr>
+      <dsp:style>
+        <a:lnRef idx="1">
+          <a:scrgbClr r="0" g="0" b="0"/>
+        </a:lnRef>
+        <a:fillRef idx="0">
+          <a:scrgbClr r="0" g="0" b="0"/>
+        </a:fillRef>
+        <a:effectRef idx="0">
+          <a:scrgbClr r="0" g="0" b="0"/>
+        </a:effectRef>
+        <a:fontRef idx="minor"/>
+      </dsp:style>
+      <dsp:txBody>
+        <a:bodyPr spcFirstLastPara="0" vert="horz" wrap="square" lIns="12700" tIns="0" rIns="12700" bIns="0" numCol="1" spcCol="1270" anchor="ctr" anchorCtr="0">
+          <a:noAutofit/>
+        </a:bodyPr>
+        <a:lstStyle/>
+        <a:p>
+          <a:pPr lvl="0" algn="ctr" defTabSz="889000">
+            <a:lnSpc>
+              <a:spcPct val="90000"/>
+            </a:lnSpc>
+            <a:spcBef>
+              <a:spcPct val="0"/>
+            </a:spcBef>
+            <a:spcAft>
+              <a:spcPct val="35000"/>
+            </a:spcAft>
+          </a:pPr>
+          <a:endParaRPr lang="en-US" sz="2000" kern="1200" dirty="0"/>
+        </a:p>
+      </dsp:txBody>
+      <dsp:txXfrm>
+        <a:off x="2447218" y="981163"/>
+        <a:ext cx="25487" cy="5097"/>
+      </dsp:txXfrm>
+    </dsp:sp>
+    <dsp:sp modelId="{591CA60E-213E-7B4B-B9DE-D89D137D3DA9}">
+      <dsp:nvSpPr>
+        <dsp:cNvPr id="0" name=""/>
+        <dsp:cNvSpPr/>
+      </dsp:nvSpPr>
+      <dsp:spPr>
+        <a:xfrm>
+          <a:off x="5887" y="318822"/>
+          <a:ext cx="2216299" cy="1329779"/>
+        </a:xfrm>
+        <a:prstGeom prst="rect">
+          <a:avLst/>
+        </a:prstGeom>
+        <a:solidFill>
+          <a:schemeClr val="accent2">
+            <a:hueOff val="0"/>
+            <a:satOff val="0"/>
+            <a:lumOff val="0"/>
+            <a:alphaOff val="0"/>
+          </a:schemeClr>
+        </a:solidFill>
+        <a:ln w="25400" cap="rnd" cmpd="sng" algn="ctr">
+          <a:solidFill>
+            <a:schemeClr val="lt1">
+              <a:hueOff val="0"/>
+              <a:satOff val="0"/>
+              <a:lumOff val="0"/>
+              <a:alphaOff val="0"/>
+            </a:schemeClr>
+          </a:solidFill>
+          <a:prstDash val="solid"/>
+        </a:ln>
+        <a:effectLst/>
+      </dsp:spPr>
+      <dsp:style>
+        <a:lnRef idx="3">
+          <a:scrgbClr r="0" g="0" b="0"/>
+        </a:lnRef>
+        <a:fillRef idx="1">
+          <a:scrgbClr r="0" g="0" b="0"/>
+        </a:fillRef>
+        <a:effectRef idx="1">
+          <a:scrgbClr r="0" g="0" b="0"/>
+        </a:effectRef>
+        <a:fontRef idx="minor">
+          <a:schemeClr val="lt1"/>
+        </a:fontRef>
+      </dsp:style>
+      <dsp:txBody>
+        <a:bodyPr spcFirstLastPara="0" vert="horz" wrap="square" lIns="108601" tIns="113995" rIns="108601" bIns="113995" numCol="1" spcCol="1270" anchor="ctr" anchorCtr="0">
+          <a:noAutofit/>
+        </a:bodyPr>
+        <a:lstStyle/>
+        <a:p>
+          <a:pPr lvl="0" algn="ctr" defTabSz="889000">
+            <a:lnSpc>
+              <a:spcPct val="90000"/>
+            </a:lnSpc>
+            <a:spcBef>
+              <a:spcPct val="0"/>
+            </a:spcBef>
+            <a:spcAft>
+              <a:spcPct val="35000"/>
+            </a:spcAft>
+          </a:pPr>
+          <a:r>
+            <a:rPr lang="bg-BG" sz="2000" kern="1200" dirty="0" smtClean="0"/>
+            <a:t>Създаване БД по модела</a:t>
+          </a:r>
+          <a:endParaRPr lang="en-US" sz="2000" kern="1200" dirty="0"/>
+        </a:p>
+      </dsp:txBody>
+      <dsp:txXfrm>
+        <a:off x="5887" y="318822"/>
+        <a:ext cx="2216299" cy="1329779"/>
+      </dsp:txXfrm>
+    </dsp:sp>
+    <dsp:sp modelId="{DD741774-D280-DD46-9C9B-33FE253D22FC}">
+      <dsp:nvSpPr>
+        <dsp:cNvPr id="0" name=""/>
+        <dsp:cNvSpPr/>
+      </dsp:nvSpPr>
+      <dsp:spPr>
+        <a:xfrm>
+          <a:off x="4946435" y="937992"/>
+          <a:ext cx="479148" cy="91440"/>
+        </a:xfrm>
+        <a:custGeom>
+          <a:avLst/>
+          <a:gdLst/>
+          <a:ahLst/>
+          <a:cxnLst/>
+          <a:rect l="0" t="0" r="0" b="0"/>
+          <a:pathLst>
+            <a:path>
+              <a:moveTo>
+                <a:pt x="0" y="45720"/>
+              </a:moveTo>
+              <a:lnTo>
+                <a:pt x="479148" y="45720"/>
+              </a:lnTo>
+            </a:path>
+          </a:pathLst>
+        </a:custGeom>
+        <a:noFill/>
+        <a:ln w="9525" cap="rnd" cmpd="sng" algn="ctr">
+          <a:solidFill>
+            <a:schemeClr val="accent3">
+              <a:hueOff val="0"/>
+              <a:satOff val="0"/>
+              <a:lumOff val="0"/>
+              <a:alphaOff val="0"/>
+            </a:schemeClr>
+          </a:solidFill>
+          <a:prstDash val="solid"/>
+          <a:tailEnd type="arrow"/>
+        </a:ln>
+        <a:effectLst/>
+      </dsp:spPr>
+      <dsp:style>
+        <a:lnRef idx="1">
+          <a:scrgbClr r="0" g="0" b="0"/>
+        </a:lnRef>
+        <a:fillRef idx="0">
+          <a:scrgbClr r="0" g="0" b="0"/>
+        </a:fillRef>
+        <a:effectRef idx="0">
+          <a:scrgbClr r="0" g="0" b="0"/>
+        </a:effectRef>
+        <a:fontRef idx="minor"/>
+      </dsp:style>
+      <dsp:txBody>
+        <a:bodyPr spcFirstLastPara="0" vert="horz" wrap="square" lIns="12700" tIns="0" rIns="12700" bIns="0" numCol="1" spcCol="1270" anchor="ctr" anchorCtr="0">
+          <a:noAutofit/>
+        </a:bodyPr>
+        <a:lstStyle/>
+        <a:p>
+          <a:pPr lvl="0" algn="ctr" defTabSz="889000">
+            <a:lnSpc>
+              <a:spcPct val="90000"/>
+            </a:lnSpc>
+            <a:spcBef>
+              <a:spcPct val="0"/>
+            </a:spcBef>
+            <a:spcAft>
+              <a:spcPct val="35000"/>
+            </a:spcAft>
+          </a:pPr>
+          <a:endParaRPr lang="en-US" sz="2000" kern="1200" dirty="0"/>
+        </a:p>
+      </dsp:txBody>
+      <dsp:txXfrm>
+        <a:off x="5173266" y="981163"/>
+        <a:ext cx="25487" cy="5097"/>
+      </dsp:txXfrm>
+    </dsp:sp>
+    <dsp:sp modelId="{1FC37317-8B75-7A4E-B46A-6C6A45F69C67}">
+      <dsp:nvSpPr>
+        <dsp:cNvPr id="0" name=""/>
+        <dsp:cNvSpPr/>
+      </dsp:nvSpPr>
+      <dsp:spPr>
+        <a:xfrm>
+          <a:off x="2731936" y="318822"/>
+          <a:ext cx="2216299" cy="1329779"/>
+        </a:xfrm>
+        <a:prstGeom prst="rect">
+          <a:avLst/>
+        </a:prstGeom>
+        <a:solidFill>
+          <a:schemeClr val="accent3">
+            <a:hueOff val="0"/>
+            <a:satOff val="0"/>
+            <a:lumOff val="0"/>
+            <a:alphaOff val="0"/>
+          </a:schemeClr>
+        </a:solidFill>
+        <a:ln w="25400" cap="rnd" cmpd="sng" algn="ctr">
+          <a:solidFill>
+            <a:schemeClr val="lt1">
+              <a:hueOff val="0"/>
+              <a:satOff val="0"/>
+              <a:lumOff val="0"/>
+              <a:alphaOff val="0"/>
+            </a:schemeClr>
+          </a:solidFill>
+          <a:prstDash val="solid"/>
+        </a:ln>
+        <a:effectLst/>
+      </dsp:spPr>
+      <dsp:style>
+        <a:lnRef idx="3">
+          <a:scrgbClr r="0" g="0" b="0"/>
+        </a:lnRef>
+        <a:fillRef idx="1">
+          <a:scrgbClr r="0" g="0" b="0"/>
+        </a:fillRef>
+        <a:effectRef idx="1">
+          <a:scrgbClr r="0" g="0" b="0"/>
+        </a:effectRef>
+        <a:fontRef idx="minor">
+          <a:schemeClr val="lt1"/>
+        </a:fontRef>
+      </dsp:style>
+      <dsp:txBody>
+        <a:bodyPr spcFirstLastPara="0" vert="horz" wrap="square" lIns="108601" tIns="113995" rIns="108601" bIns="113995" numCol="1" spcCol="1270" anchor="ctr" anchorCtr="0">
+          <a:noAutofit/>
+        </a:bodyPr>
+        <a:lstStyle/>
+        <a:p>
+          <a:pPr lvl="0" algn="ctr" defTabSz="889000">
+            <a:lnSpc>
+              <a:spcPct val="90000"/>
+            </a:lnSpc>
+            <a:spcBef>
+              <a:spcPct val="0"/>
+            </a:spcBef>
+            <a:spcAft>
+              <a:spcPct val="35000"/>
+            </a:spcAft>
+          </a:pPr>
+          <a:r>
+            <a:rPr lang="en-US" sz="2000" kern="1200" smtClean="0"/>
+            <a:t>Triggers &amp; Sequences</a:t>
+          </a:r>
+          <a:endParaRPr lang="en-US" sz="2000" kern="1200" dirty="0"/>
+        </a:p>
+      </dsp:txBody>
+      <dsp:txXfrm>
+        <a:off x="2731936" y="318822"/>
+        <a:ext cx="2216299" cy="1329779"/>
+      </dsp:txXfrm>
+    </dsp:sp>
+    <dsp:sp modelId="{63AED5AC-6A4E-294A-8C0F-D72D7D241108}">
+      <dsp:nvSpPr>
+        <dsp:cNvPr id="0" name=""/>
+        <dsp:cNvSpPr/>
+      </dsp:nvSpPr>
+      <dsp:spPr>
+        <a:xfrm>
+          <a:off x="2364872" y="1646802"/>
+          <a:ext cx="4201261" cy="418763"/>
+        </a:xfrm>
+        <a:custGeom>
+          <a:avLst/>
+          <a:gdLst/>
+          <a:ahLst/>
+          <a:cxnLst/>
+          <a:rect l="0" t="0" r="0" b="0"/>
+          <a:pathLst>
+            <a:path>
+              <a:moveTo>
+                <a:pt x="4201261" y="0"/>
+              </a:moveTo>
+              <a:lnTo>
+                <a:pt x="4201261" y="226481"/>
+              </a:lnTo>
+              <a:lnTo>
+                <a:pt x="0" y="226481"/>
+              </a:lnTo>
+              <a:lnTo>
+                <a:pt x="0" y="418763"/>
+              </a:lnTo>
+            </a:path>
+          </a:pathLst>
+        </a:custGeom>
+        <a:noFill/>
+        <a:ln w="9525" cap="rnd" cmpd="sng" algn="ctr">
+          <a:solidFill>
+            <a:schemeClr val="accent4">
+              <a:hueOff val="0"/>
+              <a:satOff val="0"/>
+              <a:lumOff val="0"/>
+              <a:alphaOff val="0"/>
+            </a:schemeClr>
+          </a:solidFill>
+          <a:prstDash val="solid"/>
+          <a:tailEnd type="arrow"/>
+        </a:ln>
+        <a:effectLst/>
+      </dsp:spPr>
+      <dsp:style>
+        <a:lnRef idx="1">
+          <a:scrgbClr r="0" g="0" b="0"/>
+        </a:lnRef>
+        <a:fillRef idx="0">
+          <a:scrgbClr r="0" g="0" b="0"/>
+        </a:fillRef>
+        <a:effectRef idx="0">
+          <a:scrgbClr r="0" g="0" b="0"/>
+        </a:effectRef>
+        <a:fontRef idx="minor"/>
+      </dsp:style>
+      <dsp:txBody>
+        <a:bodyPr spcFirstLastPara="0" vert="horz" wrap="square" lIns="12700" tIns="0" rIns="12700" bIns="0" numCol="1" spcCol="1270" anchor="ctr" anchorCtr="0">
+          <a:noAutofit/>
+        </a:bodyPr>
+        <a:lstStyle/>
+        <a:p>
+          <a:pPr lvl="0" algn="ctr" defTabSz="889000">
+            <a:lnSpc>
+              <a:spcPct val="90000"/>
+            </a:lnSpc>
+            <a:spcBef>
+              <a:spcPct val="0"/>
+            </a:spcBef>
+            <a:spcAft>
+              <a:spcPct val="35000"/>
+            </a:spcAft>
+          </a:pPr>
+          <a:endParaRPr lang="en-US" sz="2000" kern="1200" dirty="0"/>
+        </a:p>
+      </dsp:txBody>
+      <dsp:txXfrm>
+        <a:off x="4359872" y="1853635"/>
+        <a:ext cx="211261" cy="5097"/>
+      </dsp:txXfrm>
+    </dsp:sp>
+    <dsp:sp modelId="{F14BE627-E883-874F-A626-EC388DCE8D9B}">
+      <dsp:nvSpPr>
+        <dsp:cNvPr id="0" name=""/>
+        <dsp:cNvSpPr/>
+      </dsp:nvSpPr>
+      <dsp:spPr>
+        <a:xfrm>
+          <a:off x="5457984" y="318822"/>
+          <a:ext cx="2216299" cy="1329779"/>
+        </a:xfrm>
+        <a:prstGeom prst="rect">
+          <a:avLst/>
+        </a:prstGeom>
+        <a:solidFill>
+          <a:schemeClr val="accent4">
+            <a:hueOff val="0"/>
+            <a:satOff val="0"/>
+            <a:lumOff val="0"/>
+            <a:alphaOff val="0"/>
+          </a:schemeClr>
+        </a:solidFill>
+        <a:ln w="25400" cap="rnd" cmpd="sng" algn="ctr">
+          <a:solidFill>
+            <a:schemeClr val="lt1">
+              <a:hueOff val="0"/>
+              <a:satOff val="0"/>
+              <a:lumOff val="0"/>
+              <a:alphaOff val="0"/>
+            </a:schemeClr>
+          </a:solidFill>
+          <a:prstDash val="solid"/>
+        </a:ln>
+        <a:effectLst/>
+      </dsp:spPr>
+      <dsp:style>
+        <a:lnRef idx="3">
+          <a:scrgbClr r="0" g="0" b="0"/>
+        </a:lnRef>
+        <a:fillRef idx="1">
+          <a:scrgbClr r="0" g="0" b="0"/>
+        </a:fillRef>
+        <a:effectRef idx="1">
+          <a:scrgbClr r="0" g="0" b="0"/>
+        </a:effectRef>
+        <a:fontRef idx="minor">
+          <a:schemeClr val="lt1"/>
+        </a:fontRef>
+      </dsp:style>
+      <dsp:txBody>
+        <a:bodyPr spcFirstLastPara="0" vert="horz" wrap="square" lIns="108601" tIns="113995" rIns="108601" bIns="113995" numCol="1" spcCol="1270" anchor="ctr" anchorCtr="0">
+          <a:noAutofit/>
+        </a:bodyPr>
+        <a:lstStyle/>
+        <a:p>
+          <a:pPr lvl="0" algn="ctr" defTabSz="889000">
+            <a:lnSpc>
+              <a:spcPct val="90000"/>
+            </a:lnSpc>
+            <a:spcBef>
+              <a:spcPct val="0"/>
+            </a:spcBef>
+            <a:spcAft>
+              <a:spcPct val="35000"/>
+            </a:spcAft>
+          </a:pPr>
+          <a:r>
+            <a:rPr lang="bg-BG" sz="2000" kern="1200" smtClean="0"/>
+            <a:t>Тестови данни</a:t>
+          </a:r>
+          <a:endParaRPr lang="en-US" sz="2000" kern="1200" dirty="0"/>
+        </a:p>
+      </dsp:txBody>
+      <dsp:txXfrm>
+        <a:off x="5457984" y="318822"/>
+        <a:ext cx="2216299" cy="1329779"/>
+      </dsp:txXfrm>
+    </dsp:sp>
+    <dsp:sp modelId="{F99CCA43-69CE-4B79-A57D-63EC6FCCEDEC}">
+      <dsp:nvSpPr>
+        <dsp:cNvPr id="0" name=""/>
+        <dsp:cNvSpPr/>
+      </dsp:nvSpPr>
+      <dsp:spPr>
+        <a:xfrm>
+          <a:off x="3471222" y="2717135"/>
+          <a:ext cx="694794" cy="91440"/>
+        </a:xfrm>
+        <a:custGeom>
+          <a:avLst/>
+          <a:gdLst/>
+          <a:ahLst/>
+          <a:cxnLst/>
+          <a:rect l="0" t="0" r="0" b="0"/>
+          <a:pathLst>
+            <a:path>
+              <a:moveTo>
+                <a:pt x="0" y="45720"/>
+              </a:moveTo>
+              <a:lnTo>
+                <a:pt x="694794" y="45720"/>
+              </a:lnTo>
+            </a:path>
+          </a:pathLst>
+        </a:custGeom>
+        <a:noFill/>
+        <a:ln w="9525" cap="rnd" cmpd="sng" algn="ctr">
+          <a:solidFill>
+            <a:schemeClr val="accent5">
+              <a:hueOff val="0"/>
+              <a:satOff val="0"/>
+              <a:lumOff val="0"/>
+              <a:alphaOff val="0"/>
+            </a:schemeClr>
+          </a:solidFill>
+          <a:prstDash val="solid"/>
+          <a:tailEnd type="arrow"/>
+        </a:ln>
+        <a:effectLst/>
+      </dsp:spPr>
+      <dsp:style>
+        <a:lnRef idx="1">
+          <a:scrgbClr r="0" g="0" b="0"/>
+        </a:lnRef>
+        <a:fillRef idx="0">
+          <a:scrgbClr r="0" g="0" b="0"/>
+        </a:fillRef>
+        <a:effectRef idx="0">
+          <a:scrgbClr r="0" g="0" b="0"/>
+        </a:effectRef>
+        <a:fontRef idx="minor"/>
+      </dsp:style>
+      <dsp:txBody>
+        <a:bodyPr spcFirstLastPara="0" vert="horz" wrap="square" lIns="12700" tIns="0" rIns="12700" bIns="0" numCol="1" spcCol="1270" anchor="ctr" anchorCtr="0">
+          <a:noAutofit/>
+        </a:bodyPr>
+        <a:lstStyle/>
+        <a:p>
+          <a:pPr lvl="0" algn="ctr" defTabSz="222250">
+            <a:lnSpc>
+              <a:spcPct val="90000"/>
+            </a:lnSpc>
+            <a:spcBef>
+              <a:spcPct val="0"/>
+            </a:spcBef>
+            <a:spcAft>
+              <a:spcPct val="35000"/>
+            </a:spcAft>
+          </a:pPr>
+          <a:endParaRPr lang="en-US" sz="500" kern="1200"/>
+        </a:p>
+      </dsp:txBody>
+      <dsp:txXfrm>
+        <a:off x="3800485" y="2760306"/>
+        <a:ext cx="36269" cy="5097"/>
+      </dsp:txXfrm>
+    </dsp:sp>
+    <dsp:sp modelId="{D42A6699-F599-8045-897A-5A654DF673C0}">
+      <dsp:nvSpPr>
+        <dsp:cNvPr id="0" name=""/>
+        <dsp:cNvSpPr/>
+      </dsp:nvSpPr>
+      <dsp:spPr>
+        <a:xfrm>
+          <a:off x="1256722" y="2097965"/>
+          <a:ext cx="2216299" cy="1329779"/>
+        </a:xfrm>
+        <a:prstGeom prst="rect">
+          <a:avLst/>
+        </a:prstGeom>
+        <a:solidFill>
+          <a:schemeClr val="accent5">
+            <a:hueOff val="0"/>
+            <a:satOff val="0"/>
+            <a:lumOff val="0"/>
+            <a:alphaOff val="0"/>
+          </a:schemeClr>
+        </a:solidFill>
+        <a:ln w="25400" cap="rnd" cmpd="sng" algn="ctr">
+          <a:solidFill>
+            <a:schemeClr val="lt1">
+              <a:hueOff val="0"/>
+              <a:satOff val="0"/>
+              <a:lumOff val="0"/>
+              <a:alphaOff val="0"/>
+            </a:schemeClr>
+          </a:solidFill>
+          <a:prstDash val="solid"/>
+        </a:ln>
+        <a:effectLst/>
+      </dsp:spPr>
+      <dsp:style>
+        <a:lnRef idx="3">
+          <a:scrgbClr r="0" g="0" b="0"/>
+        </a:lnRef>
+        <a:fillRef idx="1">
+          <a:scrgbClr r="0" g="0" b="0"/>
+        </a:fillRef>
+        <a:effectRef idx="1">
+          <a:scrgbClr r="0" g="0" b="0"/>
+        </a:effectRef>
+        <a:fontRef idx="minor">
+          <a:schemeClr val="lt1"/>
+        </a:fontRef>
+      </dsp:style>
+      <dsp:txBody>
+        <a:bodyPr spcFirstLastPara="0" vert="horz" wrap="square" lIns="108601" tIns="113995" rIns="108601" bIns="113995" numCol="1" spcCol="1270" anchor="ctr" anchorCtr="0">
+          <a:noAutofit/>
+        </a:bodyPr>
+        <a:lstStyle/>
+        <a:p>
+          <a:pPr lvl="0" algn="ctr" defTabSz="889000">
+            <a:lnSpc>
+              <a:spcPct val="90000"/>
+            </a:lnSpc>
+            <a:spcBef>
+              <a:spcPct val="0"/>
+            </a:spcBef>
+            <a:spcAft>
+              <a:spcPct val="35000"/>
+            </a:spcAft>
+          </a:pPr>
+          <a:r>
+            <a:rPr lang="bg-BG" sz="2000" kern="1200" smtClean="0"/>
+            <a:t>Процедури</a:t>
+          </a:r>
+          <a:endParaRPr lang="en-US" sz="2000" kern="1200" dirty="0"/>
+        </a:p>
+      </dsp:txBody>
+      <dsp:txXfrm>
+        <a:off x="1256722" y="2097965"/>
+        <a:ext cx="2216299" cy="1329779"/>
+      </dsp:txXfrm>
+    </dsp:sp>
+    <dsp:sp modelId="{EEBE982B-B2A5-4613-B2CF-A645D58FEF5B}">
+      <dsp:nvSpPr>
+        <dsp:cNvPr id="0" name=""/>
+        <dsp:cNvSpPr/>
+      </dsp:nvSpPr>
+      <dsp:spPr>
+        <a:xfrm>
+          <a:off x="4198417" y="2097965"/>
+          <a:ext cx="2216299" cy="1329779"/>
+        </a:xfrm>
+        <a:prstGeom prst="rect">
+          <a:avLst/>
+        </a:prstGeom>
+        <a:solidFill>
+          <a:schemeClr val="accent6">
+            <a:hueOff val="0"/>
+            <a:satOff val="0"/>
+            <a:lumOff val="0"/>
+            <a:alphaOff val="0"/>
+          </a:schemeClr>
+        </a:solidFill>
+        <a:ln w="25400" cap="rnd" cmpd="sng" algn="ctr">
+          <a:solidFill>
+            <a:schemeClr val="lt1">
+              <a:hueOff val="0"/>
+              <a:satOff val="0"/>
+              <a:lumOff val="0"/>
+              <a:alphaOff val="0"/>
+            </a:schemeClr>
+          </a:solidFill>
+          <a:prstDash val="solid"/>
+        </a:ln>
+        <a:effectLst/>
+      </dsp:spPr>
+      <dsp:style>
+        <a:lnRef idx="3">
+          <a:scrgbClr r="0" g="0" b="0"/>
+        </a:lnRef>
+        <a:fillRef idx="1">
+          <a:scrgbClr r="0" g="0" b="0"/>
+        </a:fillRef>
+        <a:effectRef idx="1">
+          <a:scrgbClr r="0" g="0" b="0"/>
+        </a:effectRef>
+        <a:fontRef idx="minor">
+          <a:schemeClr val="lt1"/>
+        </a:fontRef>
+      </dsp:style>
+      <dsp:txBody>
+        <a:bodyPr spcFirstLastPara="0" vert="horz" wrap="square" lIns="108601" tIns="113995" rIns="108601" bIns="113995" numCol="1" spcCol="1270" anchor="ctr" anchorCtr="0">
+          <a:noAutofit/>
+        </a:bodyPr>
+        <a:lstStyle/>
+        <a:p>
+          <a:pPr lvl="0" algn="ctr" defTabSz="1244600">
+            <a:lnSpc>
+              <a:spcPct val="90000"/>
+            </a:lnSpc>
+            <a:spcBef>
+              <a:spcPct val="0"/>
+            </a:spcBef>
+            <a:spcAft>
+              <a:spcPct val="35000"/>
+            </a:spcAft>
+          </a:pPr>
+          <a:r>
+            <a:rPr lang="bg-BG" sz="2800" kern="1200" smtClean="0"/>
+            <a:t>Роли</a:t>
+          </a:r>
+          <a:endParaRPr lang="en-US" sz="6500" kern="1200" dirty="0"/>
+        </a:p>
+      </dsp:txBody>
+      <dsp:txXfrm>
+        <a:off x="4198417" y="2097965"/>
+        <a:ext cx="2216299" cy="1329779"/>
+      </dsp:txXfrm>
+    </dsp:sp>
   </dsp:spTree>
 </dsp:drawing>
 </file>
@@ -2895,7 +4052,7 @@
   </dgm:layoutNode>
   <dgm:extLst>
     <a:ext uri="{68A01E43-0DF5-4B5B-8FA6-DAF915123BFB}">
-      <dgm1612:lstStyle xmlns="" xmlns:dgm1612="http://schemas.microsoft.com/office/drawing/2016/12/diagram">
+      <dgm1612:lstStyle xmlns:dgm1612="http://schemas.microsoft.com/office/drawing/2016/12/diagram" xmlns="">
         <a:lvl1pPr>
           <a:lnSpc>
             <a:spcPct val="100000"/>
@@ -5199,7 +6356,7 @@
           <p:cNvPr id="2" name="Header Placeholder 1">
             <a:extLst>
               <a:ext uri="{FF2B5EF4-FFF2-40B4-BE49-F238E27FC236}">
-                <a16:creationId xmlns="" xmlns:a16="http://schemas.microsoft.com/office/drawing/2014/main" id="{8BC40FD4-49E5-45F4-9F5F-D127674F3B6F}"/>
+                <a16:creationId xmlns:a16="http://schemas.microsoft.com/office/drawing/2014/main" id="{8BC40FD4-49E5-45F4-9F5F-D127674F3B6F}"/>
               </a:ext>
             </a:extLst>
           </p:cNvPr>
@@ -5236,7 +6393,7 @@
           <p:cNvPr id="3" name="Date Placeholder 2">
             <a:extLst>
               <a:ext uri="{FF2B5EF4-FFF2-40B4-BE49-F238E27FC236}">
-                <a16:creationId xmlns="" xmlns:a16="http://schemas.microsoft.com/office/drawing/2014/main" id="{697B86CE-7533-4591-A533-3B285CBFBD39}"/>
+                <a16:creationId xmlns:a16="http://schemas.microsoft.com/office/drawing/2014/main" id="{697B86CE-7533-4591-A533-3B285CBFBD39}"/>
               </a:ext>
             </a:extLst>
           </p:cNvPr>
@@ -5266,7 +6423,7 @@
           <a:p>
             <a:fld id="{3F42818B-C764-43FB-9100-6BE58FDE1954}" type="datetimeFigureOut">
               <a:rPr lang="en-US" smtClean="0"/>
-              <a:t>12/5/2023</a:t>
+              <a:t>12/14/2023</a:t>
             </a:fld>
             <a:endParaRPr lang="en-US" dirty="0"/>
           </a:p>
@@ -5277,7 +6434,7 @@
           <p:cNvPr id="4" name="Footer Placeholder 3">
             <a:extLst>
               <a:ext uri="{FF2B5EF4-FFF2-40B4-BE49-F238E27FC236}">
-                <a16:creationId xmlns="" xmlns:a16="http://schemas.microsoft.com/office/drawing/2014/main" id="{6697BB4A-C2FA-48DD-9F31-664DF2C9F78C}"/>
+                <a16:creationId xmlns:a16="http://schemas.microsoft.com/office/drawing/2014/main" id="{6697BB4A-C2FA-48DD-9F31-664DF2C9F78C}"/>
               </a:ext>
             </a:extLst>
           </p:cNvPr>
@@ -5314,7 +6471,7 @@
           <p:cNvPr id="5" name="Slide Number Placeholder 4">
             <a:extLst>
               <a:ext uri="{FF2B5EF4-FFF2-40B4-BE49-F238E27FC236}">
-                <a16:creationId xmlns="" xmlns:a16="http://schemas.microsoft.com/office/drawing/2014/main" id="{B540AB79-C081-43E8-B49C-BA9D38FCFCD8}"/>
+                <a16:creationId xmlns:a16="http://schemas.microsoft.com/office/drawing/2014/main" id="{B540AB79-C081-43E8-B49C-BA9D38FCFCD8}"/>
               </a:ext>
             </a:extLst>
           </p:cNvPr>
@@ -5443,7 +6600,7 @@
           <a:p>
             <a:fld id="{4E0BC4BE-0D73-E240-8B38-104FAC465A91}" type="datetimeFigureOut">
               <a:rPr lang="en-US" smtClean="0"/>
-              <a:t>12/5/2023</a:t>
+              <a:t>12/14/2023</a:t>
             </a:fld>
             <a:endParaRPr lang="en-US" dirty="0"/>
           </a:p>
@@ -6165,7 +7322,7 @@
             <a:fld id="{B61BEF0D-F0BB-DE4B-95CE-6DB70DBA9567}" type="datetimeFigureOut">
               <a:rPr lang="en-US" smtClean="0"/>
               <a:pPr/>
-              <a:t>12/5/2023</a:t>
+              <a:t>12/14/2023</a:t>
             </a:fld>
             <a:endParaRPr lang="en-US" dirty="0"/>
           </a:p>
@@ -6458,7 +7615,7 @@
             <a:fld id="{B61BEF0D-F0BB-DE4B-95CE-6DB70DBA9567}" type="datetimeFigureOut">
               <a:rPr lang="en-US" smtClean="0"/>
               <a:pPr/>
-              <a:t>12/5/2023</a:t>
+              <a:t>12/14/2023</a:t>
             </a:fld>
             <a:endParaRPr lang="en-US" dirty="0"/>
           </a:p>
@@ -6708,7 +7865,7 @@
             <a:fld id="{B61BEF0D-F0BB-DE4B-95CE-6DB70DBA9567}" type="datetimeFigureOut">
               <a:rPr lang="en-US" smtClean="0"/>
               <a:pPr/>
-              <a:t>12/5/2023</a:t>
+              <a:t>12/14/2023</a:t>
             </a:fld>
             <a:endParaRPr lang="en-US" dirty="0"/>
           </a:p>
@@ -7246,7 +8403,7 @@
             <a:fld id="{B61BEF0D-F0BB-DE4B-95CE-6DB70DBA9567}" type="datetimeFigureOut">
               <a:rPr lang="en-US" smtClean="0"/>
               <a:pPr/>
-              <a:t>12/5/2023</a:t>
+              <a:t>12/14/2023</a:t>
             </a:fld>
             <a:endParaRPr lang="en-US" dirty="0"/>
           </a:p>
@@ -7496,7 +8653,7 @@
             <a:fld id="{B61BEF0D-F0BB-DE4B-95CE-6DB70DBA9567}" type="datetimeFigureOut">
               <a:rPr lang="en-US" smtClean="0"/>
               <a:pPr/>
-              <a:t>12/5/2023</a:t>
+              <a:t>12/14/2023</a:t>
             </a:fld>
             <a:endParaRPr lang="en-US" dirty="0"/>
           </a:p>
@@ -8041,7 +9198,7 @@
             <a:fld id="{B61BEF0D-F0BB-DE4B-95CE-6DB70DBA9567}" type="datetimeFigureOut">
               <a:rPr lang="en-US" smtClean="0"/>
               <a:pPr/>
-              <a:t>12/5/2023</a:t>
+              <a:t>12/14/2023</a:t>
             </a:fld>
             <a:endParaRPr lang="en-US" dirty="0"/>
           </a:p>
@@ -8353,7 +9510,7 @@
             <a:fld id="{B61BEF0D-F0BB-DE4B-95CE-6DB70DBA9567}" type="datetimeFigureOut">
               <a:rPr lang="en-US" smtClean="0"/>
               <a:pPr/>
-              <a:t>12/5/2023</a:t>
+              <a:t>12/14/2023</a:t>
             </a:fld>
             <a:endParaRPr lang="en-US" dirty="0"/>
           </a:p>
@@ -8530,7 +9687,7 @@
             <a:fld id="{B61BEF0D-F0BB-DE4B-95CE-6DB70DBA9567}" type="datetimeFigureOut">
               <a:rPr lang="en-US" smtClean="0"/>
               <a:pPr/>
-              <a:t>12/5/2023</a:t>
+              <a:t>12/14/2023</a:t>
             </a:fld>
             <a:endParaRPr lang="en-US" dirty="0"/>
           </a:p>
@@ -8712,7 +9869,7 @@
             <a:fld id="{B61BEF0D-F0BB-DE4B-95CE-6DB70DBA9567}" type="datetimeFigureOut">
               <a:rPr lang="en-US" smtClean="0"/>
               <a:pPr/>
-              <a:t>12/5/2023</a:t>
+              <a:t>12/14/2023</a:t>
             </a:fld>
             <a:endParaRPr lang="en-US" dirty="0"/>
           </a:p>
@@ -8884,7 +10041,7 @@
             <a:fld id="{B61BEF0D-F0BB-DE4B-95CE-6DB70DBA9567}" type="datetimeFigureOut">
               <a:rPr lang="en-US" smtClean="0"/>
               <a:pPr/>
-              <a:t>12/5/2023</a:t>
+              <a:t>12/14/2023</a:t>
             </a:fld>
             <a:endParaRPr lang="en-US" dirty="0"/>
           </a:p>
@@ -9132,7 +10289,7 @@
             <a:fld id="{B61BEF0D-F0BB-DE4B-95CE-6DB70DBA9567}" type="datetimeFigureOut">
               <a:rPr lang="en-US" smtClean="0"/>
               <a:pPr/>
-              <a:t>12/5/2023</a:t>
+              <a:t>12/14/2023</a:t>
             </a:fld>
             <a:endParaRPr lang="en-US" dirty="0"/>
           </a:p>
@@ -9426,7 +10583,7 @@
             <a:fld id="{B61BEF0D-F0BB-DE4B-95CE-6DB70DBA9567}" type="datetimeFigureOut">
               <a:rPr lang="en-US" smtClean="0"/>
               <a:pPr/>
-              <a:t>12/5/2023</a:t>
+              <a:t>12/14/2023</a:t>
             </a:fld>
             <a:endParaRPr lang="en-US" dirty="0"/>
           </a:p>
@@ -9858,7 +11015,7 @@
             <a:fld id="{B61BEF0D-F0BB-DE4B-95CE-6DB70DBA9567}" type="datetimeFigureOut">
               <a:rPr lang="en-US" smtClean="0"/>
               <a:pPr/>
-              <a:t>12/5/2023</a:t>
+              <a:t>12/14/2023</a:t>
             </a:fld>
             <a:endParaRPr lang="en-US" dirty="0"/>
           </a:p>
@@ -9983,7 +11140,7 @@
             <a:fld id="{B61BEF0D-F0BB-DE4B-95CE-6DB70DBA9567}" type="datetimeFigureOut">
               <a:rPr lang="en-US" smtClean="0"/>
               <a:pPr/>
-              <a:t>12/5/2023</a:t>
+              <a:t>12/14/2023</a:t>
             </a:fld>
             <a:endParaRPr lang="en-US" dirty="0"/>
           </a:p>
@@ -10080,7 +11237,7 @@
             <a:fld id="{B61BEF0D-F0BB-DE4B-95CE-6DB70DBA9567}" type="datetimeFigureOut">
               <a:rPr lang="en-US" smtClean="0"/>
               <a:pPr/>
-              <a:t>12/5/2023</a:t>
+              <a:t>12/14/2023</a:t>
             </a:fld>
             <a:endParaRPr lang="en-US" dirty="0"/>
           </a:p>
@@ -10365,7 +11522,7 @@
             <a:fld id="{B61BEF0D-F0BB-DE4B-95CE-6DB70DBA9567}" type="datetimeFigureOut">
               <a:rPr lang="en-US" smtClean="0"/>
               <a:pPr/>
-              <a:t>12/5/2023</a:t>
+              <a:t>12/14/2023</a:t>
             </a:fld>
             <a:endParaRPr lang="en-US" dirty="0"/>
           </a:p>
@@ -10658,7 +11815,7 @@
             <a:fld id="{B61BEF0D-F0BB-DE4B-95CE-6DB70DBA9567}" type="datetimeFigureOut">
               <a:rPr lang="en-US" smtClean="0"/>
               <a:pPr/>
-              <a:t>12/5/2023</a:t>
+              <a:t>12/14/2023</a:t>
             </a:fld>
             <a:endParaRPr lang="en-US" dirty="0"/>
           </a:p>
@@ -10891,7 +12048,7 @@
             <a:fld id="{B61BEF0D-F0BB-DE4B-95CE-6DB70DBA9567}" type="datetimeFigureOut">
               <a:rPr lang="en-US" smtClean="0"/>
               <a:pPr/>
-              <a:t>12/5/2023</a:t>
+              <a:t>12/14/2023</a:t>
             </a:fld>
             <a:endParaRPr lang="en-US" dirty="0"/>
           </a:p>
@@ -11580,7 +12737,7 @@
           <p:cNvPr id="8" name="Picture 7">
             <a:extLst>
               <a:ext uri="{FF2B5EF4-FFF2-40B4-BE49-F238E27FC236}">
-                <a16:creationId xmlns="" xmlns:a16="http://schemas.microsoft.com/office/drawing/2014/main" id="{082DAC18-E623-0546-920C-6676DF6BBA3F}"/>
+                <a16:creationId xmlns:a16="http://schemas.microsoft.com/office/drawing/2014/main" id="{082DAC18-E623-0546-920C-6676DF6BBA3F}"/>
               </a:ext>
             </a:extLst>
           </p:cNvPr>
@@ -11631,7 +12788,7 @@
           <p:cNvPr id="2" name="Title 1">
             <a:extLst>
               <a:ext uri="{FF2B5EF4-FFF2-40B4-BE49-F238E27FC236}">
-                <a16:creationId xmlns="" xmlns:a16="http://schemas.microsoft.com/office/drawing/2014/main" id="{74080833-6B30-404E-B0FA-39D7DC4B1616}"/>
+                <a16:creationId xmlns:a16="http://schemas.microsoft.com/office/drawing/2014/main" id="{74080833-6B30-404E-B0FA-39D7DC4B1616}"/>
               </a:ext>
             </a:extLst>
           </p:cNvPr>
@@ -11913,7 +13070,7 @@
           <p:cNvPr id="7" name="Picture 6">
             <a:extLst>
               <a:ext uri="{FF2B5EF4-FFF2-40B4-BE49-F238E27FC236}">
-                <a16:creationId xmlns="" xmlns:a16="http://schemas.microsoft.com/office/drawing/2014/main" id="{082DAC18-E623-0546-920C-6676DF6BBA3F}"/>
+                <a16:creationId xmlns:a16="http://schemas.microsoft.com/office/drawing/2014/main" id="{082DAC18-E623-0546-920C-6676DF6BBA3F}"/>
               </a:ext>
             </a:extLst>
           </p:cNvPr>
@@ -12160,7 +13317,7 @@
           <p:cNvPr id="6" name="Picture 5">
             <a:extLst>
               <a:ext uri="{FF2B5EF4-FFF2-40B4-BE49-F238E27FC236}">
-                <a16:creationId xmlns="" xmlns:a16="http://schemas.microsoft.com/office/drawing/2014/main" id="{082DAC18-E623-0546-920C-6676DF6BBA3F}"/>
+                <a16:creationId xmlns:a16="http://schemas.microsoft.com/office/drawing/2014/main" id="{082DAC18-E623-0546-920C-6676DF6BBA3F}"/>
               </a:ext>
             </a:extLst>
           </p:cNvPr>
@@ -12283,12 +13440,14 @@
         </p:nvSpPr>
         <p:spPr>
           <a:xfrm>
-            <a:off x="865368" y="1856117"/>
+            <a:off x="8114395" y="1630771"/>
             <a:ext cx="3680753" cy="3124201"/>
           </a:xfrm>
         </p:spPr>
         <p:txBody>
-          <a:bodyPr anchor="t"/>
+          <a:bodyPr anchor="t">
+            <a:normAutofit/>
+          </a:bodyPr>
           <a:lstStyle/>
           <a:p>
             <a:pPr marL="0" indent="0">
@@ -12296,42 +13455,31 @@
             </a:pPr>
             <a:r>
               <a:rPr lang="en-US" dirty="0" smtClean="0"/>
-              <a:t>Admin </a:t>
+              <a:t>Client </a:t>
             </a:r>
             <a:r>
               <a:rPr lang="bg-BG" dirty="0" smtClean="0"/>
-              <a:t>превилегии</a:t>
-            </a:r>
+              <a:t>превилегии:</a:t>
+            </a:r>
+            <a:endParaRPr lang="en-US" dirty="0" smtClean="0"/>
+          </a:p>
+          <a:p>
             <a:r>
               <a:rPr lang="bg-BG" dirty="0" smtClean="0"/>
-              <a:t>:</a:t>
-            </a:r>
-            <a:endParaRPr lang="en-US" dirty="0" smtClean="0"/>
-          </a:p>
-          <a:p>
+              <a:t>Селектиране данни от </a:t>
+            </a:r>
             <a:r>
               <a:rPr lang="bg-BG" dirty="0" smtClean="0"/>
-              <a:t>Селектиране данни от всички таблици</a:t>
-            </a:r>
-          </a:p>
-          <a:p>
-            <a:r>
-              <a:rPr lang="bg-BG" dirty="0" smtClean="0"/>
-              <a:t>Въвеждане данни във всички таблици</a:t>
-            </a:r>
+              <a:t>таблици свързани с продуктите</a:t>
+            </a:r>
+            <a:endParaRPr lang="bg-BG" dirty="0" smtClean="0"/>
           </a:p>
           <a:p>
             <a:r>
               <a:rPr lang="bg-BG" dirty="0" smtClean="0"/>
               <a:t>Анулиране продажба</a:t>
             </a:r>
-          </a:p>
-          <a:p>
-            <a:r>
-              <a:rPr lang="bg-BG" dirty="0" smtClean="0"/>
-              <a:t>Изтриване данни от всички таблици</a:t>
-            </a:r>
-            <a:endParaRPr lang="en-US" dirty="0"/>
+            <a:endParaRPr lang="bg-BG" dirty="0" smtClean="0"/>
           </a:p>
         </p:txBody>
       </p:sp>
@@ -12345,7 +13493,7 @@
         </p:nvSpPr>
         <p:spPr>
           <a:xfrm>
-            <a:off x="6813515" y="1856116"/>
+            <a:off x="4452731" y="1630771"/>
             <a:ext cx="3354001" cy="3124201"/>
           </a:xfrm>
           <a:prstGeom prst="rect">
@@ -12742,7 +13890,7 @@
         </p:blipFill>
         <p:spPr>
           <a:xfrm>
-            <a:off x="-1" y="0"/>
+            <a:off x="-26079" y="-305557"/>
             <a:ext cx="12311619" cy="7694762"/>
           </a:xfrm>
           <a:prstGeom prst="rect">
@@ -12765,51 +13913,395 @@
           </a:sp3d>
         </p:spPr>
       </p:pic>
-      <p:pic>
-        <p:nvPicPr>
-          <p:cNvPr id="11" name="Picture 10"/>
-          <p:cNvPicPr>
-            <a:picLocks noChangeAspect="1"/>
-          </p:cNvPicPr>
+      <p:sp>
+        <p:nvSpPr>
+          <p:cNvPr id="8" name="Content Placeholder 2"/>
+          <p:cNvSpPr txBox="1">
+            <a:spLocks/>
+          </p:cNvSpPr>
           <p:nvPr/>
-        </p:nvPicPr>
-        <p:blipFill>
-          <a:blip r:embed="rId3">
-            <a:extLst>
-              <a:ext uri="{28A0092B-C50C-407E-A947-70E740481C1C}">
-                <a14:useLocalDpi xmlns:a14="http://schemas.microsoft.com/office/drawing/2010/main" val="0"/>
-              </a:ext>
-            </a:extLst>
-          </a:blip>
-          <a:stretch>
-            <a:fillRect/>
-          </a:stretch>
-        </p:blipFill>
+        </p:nvSpPr>
         <p:spPr>
           <a:xfrm>
-            <a:off x="5411490" y="-214222"/>
-            <a:ext cx="7649044" cy="7649044"/>
+            <a:off x="464316" y="1779917"/>
+            <a:ext cx="3680753" cy="3124201"/>
           </a:xfrm>
           <a:prstGeom prst="rect">
             <a:avLst/>
           </a:prstGeom>
-          <a:ln>
-            <a:noFill/>
-          </a:ln>
-          <a:effectLst/>
-          <a:scene3d>
-            <a:camera prst="orthographicFront">
-              <a:rot lat="0" lon="0" rev="0"/>
-            </a:camera>
-            <a:lightRig rig="chilly" dir="t">
-              <a:rot lat="0" lon="0" rev="18480000"/>
-            </a:lightRig>
-          </a:scene3d>
-          <a:sp3d prstMaterial="clear">
-            <a:bevelT h="63500"/>
-          </a:sp3d>
         </p:spPr>
-      </p:pic>
+        <p:txBody>
+          <a:bodyPr vert="horz" lIns="91440" tIns="45720" rIns="91440" bIns="45720" rtlCol="0" anchor="t">
+            <a:normAutofit/>
+          </a:bodyPr>
+          <a:lstStyle>
+            <a:lvl1pPr marL="285750" indent="-285750" algn="l" defTabSz="457200" rtl="0" eaLnBrk="1" latinLnBrk="0" hangingPunct="1">
+              <a:spcBef>
+                <a:spcPct val="20000"/>
+              </a:spcBef>
+              <a:spcAft>
+                <a:spcPts val="600"/>
+              </a:spcAft>
+              <a:buClr>
+                <a:schemeClr val="accent1"/>
+              </a:buClr>
+              <a:buSzPct val="100000"/>
+              <a:buFont typeface="Arial"/>
+              <a:buChar char="•"/>
+              <a:defRPr sz="2000" kern="1200" cap="small">
+                <a:solidFill>
+                  <a:schemeClr val="tx1"/>
+                </a:solidFill>
+                <a:effectLst>
+                  <a:glow rad="38100">
+                    <a:schemeClr val="bg1">
+                      <a:lumMod val="50000"/>
+                      <a:lumOff val="50000"/>
+                      <a:alpha val="20000"/>
+                    </a:schemeClr>
+                  </a:glow>
+                  <a:outerShdw blurRad="44450" dist="12700" dir="13860000" algn="tl" rotWithShape="0">
+                    <a:srgbClr val="000000">
+                      <a:alpha val="20000"/>
+                    </a:srgbClr>
+                  </a:outerShdw>
+                </a:effectLst>
+                <a:latin typeface="+mn-lt"/>
+                <a:ea typeface="+mn-ea"/>
+                <a:cs typeface="+mn-cs"/>
+              </a:defRPr>
+            </a:lvl1pPr>
+            <a:lvl2pPr marL="742950" indent="-285750" algn="l" defTabSz="457200" rtl="0" eaLnBrk="1" latinLnBrk="0" hangingPunct="1">
+              <a:spcBef>
+                <a:spcPct val="20000"/>
+              </a:spcBef>
+              <a:spcAft>
+                <a:spcPts val="600"/>
+              </a:spcAft>
+              <a:buClr>
+                <a:schemeClr val="accent1"/>
+              </a:buClr>
+              <a:buSzPct val="100000"/>
+              <a:buFont typeface="Arial"/>
+              <a:buChar char="•"/>
+              <a:defRPr sz="1800" kern="1200" cap="small">
+                <a:solidFill>
+                  <a:schemeClr val="tx1"/>
+                </a:solidFill>
+                <a:effectLst>
+                  <a:glow rad="38100">
+                    <a:schemeClr val="bg1">
+                      <a:lumMod val="50000"/>
+                      <a:lumOff val="50000"/>
+                      <a:alpha val="20000"/>
+                    </a:schemeClr>
+                  </a:glow>
+                  <a:outerShdw blurRad="44450" dist="12700" dir="13860000" algn="tl" rotWithShape="0">
+                    <a:srgbClr val="000000">
+                      <a:alpha val="20000"/>
+                    </a:srgbClr>
+                  </a:outerShdw>
+                </a:effectLst>
+                <a:latin typeface="+mn-lt"/>
+                <a:ea typeface="+mn-ea"/>
+                <a:cs typeface="+mn-cs"/>
+              </a:defRPr>
+            </a:lvl2pPr>
+            <a:lvl3pPr marL="1200150" indent="-285750" algn="l" defTabSz="457200" rtl="0" eaLnBrk="1" latinLnBrk="0" hangingPunct="1">
+              <a:spcBef>
+                <a:spcPct val="20000"/>
+              </a:spcBef>
+              <a:spcAft>
+                <a:spcPts val="600"/>
+              </a:spcAft>
+              <a:buClr>
+                <a:schemeClr val="accent1"/>
+              </a:buClr>
+              <a:buSzPct val="100000"/>
+              <a:buFont typeface="Arial"/>
+              <a:buChar char="•"/>
+              <a:defRPr sz="1600" kern="1200" cap="small">
+                <a:solidFill>
+                  <a:schemeClr val="tx1"/>
+                </a:solidFill>
+                <a:effectLst>
+                  <a:glow rad="38100">
+                    <a:schemeClr val="bg1">
+                      <a:lumMod val="50000"/>
+                      <a:lumOff val="50000"/>
+                      <a:alpha val="20000"/>
+                    </a:schemeClr>
+                  </a:glow>
+                  <a:outerShdw blurRad="44450" dist="12700" dir="13860000" algn="tl" rotWithShape="0">
+                    <a:srgbClr val="000000">
+                      <a:alpha val="20000"/>
+                    </a:srgbClr>
+                  </a:outerShdw>
+                </a:effectLst>
+                <a:latin typeface="+mn-lt"/>
+                <a:ea typeface="+mn-ea"/>
+                <a:cs typeface="+mn-cs"/>
+              </a:defRPr>
+            </a:lvl3pPr>
+            <a:lvl4pPr marL="1543050" indent="-171450" algn="l" defTabSz="457200" rtl="0" eaLnBrk="1" latinLnBrk="0" hangingPunct="1">
+              <a:spcBef>
+                <a:spcPct val="20000"/>
+              </a:spcBef>
+              <a:spcAft>
+                <a:spcPts val="600"/>
+              </a:spcAft>
+              <a:buClr>
+                <a:schemeClr val="accent1"/>
+              </a:buClr>
+              <a:buSzPct val="100000"/>
+              <a:buFont typeface="Arial"/>
+              <a:buChar char="•"/>
+              <a:defRPr sz="1400" kern="1200" cap="small">
+                <a:solidFill>
+                  <a:schemeClr val="tx1"/>
+                </a:solidFill>
+                <a:effectLst>
+                  <a:glow rad="38100">
+                    <a:schemeClr val="bg1">
+                      <a:lumMod val="50000"/>
+                      <a:lumOff val="50000"/>
+                      <a:alpha val="20000"/>
+                    </a:schemeClr>
+                  </a:glow>
+                  <a:outerShdw blurRad="44450" dist="12700" dir="13860000" algn="tl" rotWithShape="0">
+                    <a:srgbClr val="000000">
+                      <a:alpha val="20000"/>
+                    </a:srgbClr>
+                  </a:outerShdw>
+                </a:effectLst>
+                <a:latin typeface="+mn-lt"/>
+                <a:ea typeface="+mn-ea"/>
+                <a:cs typeface="+mn-cs"/>
+              </a:defRPr>
+            </a:lvl4pPr>
+            <a:lvl5pPr marL="2000250" indent="-171450" algn="l" defTabSz="457200" rtl="0" eaLnBrk="1" latinLnBrk="0" hangingPunct="1">
+              <a:spcBef>
+                <a:spcPct val="20000"/>
+              </a:spcBef>
+              <a:spcAft>
+                <a:spcPts val="600"/>
+              </a:spcAft>
+              <a:buClr>
+                <a:schemeClr val="accent1"/>
+              </a:buClr>
+              <a:buSzPct val="100000"/>
+              <a:buFont typeface="Arial"/>
+              <a:buChar char="•"/>
+              <a:defRPr sz="1400" kern="1200" cap="small">
+                <a:solidFill>
+                  <a:schemeClr val="tx1"/>
+                </a:solidFill>
+                <a:effectLst>
+                  <a:glow rad="38100">
+                    <a:schemeClr val="bg1">
+                      <a:lumMod val="50000"/>
+                      <a:lumOff val="50000"/>
+                      <a:alpha val="20000"/>
+                    </a:schemeClr>
+                  </a:glow>
+                  <a:outerShdw blurRad="44450" dist="12700" dir="13860000" algn="tl" rotWithShape="0">
+                    <a:srgbClr val="000000">
+                      <a:alpha val="20000"/>
+                    </a:srgbClr>
+                  </a:outerShdw>
+                </a:effectLst>
+                <a:latin typeface="+mn-lt"/>
+                <a:ea typeface="+mn-ea"/>
+                <a:cs typeface="+mn-cs"/>
+              </a:defRPr>
+            </a:lvl5pPr>
+            <a:lvl6pPr marL="2514600" indent="-228600" algn="l" defTabSz="457200" rtl="0" eaLnBrk="1" latinLnBrk="0" hangingPunct="1">
+              <a:spcBef>
+                <a:spcPct val="20000"/>
+              </a:spcBef>
+              <a:spcAft>
+                <a:spcPts val="600"/>
+              </a:spcAft>
+              <a:buClr>
+                <a:schemeClr val="accent1"/>
+              </a:buClr>
+              <a:buSzPct val="100000"/>
+              <a:buFont typeface="Arial"/>
+              <a:buChar char="•"/>
+              <a:defRPr sz="1200" kern="1200" cap="small">
+                <a:solidFill>
+                  <a:schemeClr val="tx1"/>
+                </a:solidFill>
+                <a:effectLst>
+                  <a:glow rad="38100">
+                    <a:schemeClr val="bg1">
+                      <a:lumMod val="50000"/>
+                      <a:lumOff val="50000"/>
+                      <a:alpha val="20000"/>
+                    </a:schemeClr>
+                  </a:glow>
+                  <a:outerShdw blurRad="44450" dist="12700" dir="13860000" algn="tl" rotWithShape="0">
+                    <a:srgbClr val="000000">
+                      <a:alpha val="20000"/>
+                    </a:srgbClr>
+                  </a:outerShdw>
+                </a:effectLst>
+                <a:latin typeface="+mn-lt"/>
+                <a:ea typeface="+mn-ea"/>
+                <a:cs typeface="+mn-cs"/>
+              </a:defRPr>
+            </a:lvl6pPr>
+            <a:lvl7pPr marL="2971800" indent="-228600" algn="l" defTabSz="457200" rtl="0" eaLnBrk="1" latinLnBrk="0" hangingPunct="1">
+              <a:spcBef>
+                <a:spcPct val="20000"/>
+              </a:spcBef>
+              <a:spcAft>
+                <a:spcPts val="600"/>
+              </a:spcAft>
+              <a:buClr>
+                <a:schemeClr val="accent1"/>
+              </a:buClr>
+              <a:buSzPct val="100000"/>
+              <a:buFont typeface="Arial"/>
+              <a:buChar char="•"/>
+              <a:defRPr sz="1200" kern="1200" cap="small">
+                <a:solidFill>
+                  <a:schemeClr val="tx1"/>
+                </a:solidFill>
+                <a:effectLst>
+                  <a:glow rad="38100">
+                    <a:schemeClr val="bg1">
+                      <a:lumMod val="50000"/>
+                      <a:lumOff val="50000"/>
+                      <a:alpha val="20000"/>
+                    </a:schemeClr>
+                  </a:glow>
+                  <a:outerShdw blurRad="44450" dist="12700" dir="13860000" algn="tl" rotWithShape="0">
+                    <a:srgbClr val="000000">
+                      <a:alpha val="20000"/>
+                    </a:srgbClr>
+                  </a:outerShdw>
+                </a:effectLst>
+                <a:latin typeface="+mn-lt"/>
+                <a:ea typeface="+mn-ea"/>
+                <a:cs typeface="+mn-cs"/>
+              </a:defRPr>
+            </a:lvl7pPr>
+            <a:lvl8pPr marL="3429000" indent="-228600" algn="l" defTabSz="457200" rtl="0" eaLnBrk="1" latinLnBrk="0" hangingPunct="1">
+              <a:spcBef>
+                <a:spcPct val="20000"/>
+              </a:spcBef>
+              <a:spcAft>
+                <a:spcPts val="600"/>
+              </a:spcAft>
+              <a:buClr>
+                <a:schemeClr val="accent1"/>
+              </a:buClr>
+              <a:buSzPct val="100000"/>
+              <a:buFont typeface="Arial"/>
+              <a:buChar char="•"/>
+              <a:defRPr sz="1200" kern="1200" cap="small">
+                <a:solidFill>
+                  <a:schemeClr val="tx1"/>
+                </a:solidFill>
+                <a:effectLst>
+                  <a:glow rad="38100">
+                    <a:schemeClr val="bg1">
+                      <a:lumMod val="50000"/>
+                      <a:lumOff val="50000"/>
+                      <a:alpha val="20000"/>
+                    </a:schemeClr>
+                  </a:glow>
+                  <a:outerShdw blurRad="44450" dist="12700" dir="13860000" algn="tl" rotWithShape="0">
+                    <a:srgbClr val="000000">
+                      <a:alpha val="20000"/>
+                    </a:srgbClr>
+                  </a:outerShdw>
+                </a:effectLst>
+                <a:latin typeface="+mn-lt"/>
+                <a:ea typeface="+mn-ea"/>
+                <a:cs typeface="+mn-cs"/>
+              </a:defRPr>
+            </a:lvl8pPr>
+            <a:lvl9pPr marL="3886200" indent="-228600" algn="l" defTabSz="457200" rtl="0" eaLnBrk="1" latinLnBrk="0" hangingPunct="1">
+              <a:spcBef>
+                <a:spcPct val="20000"/>
+              </a:spcBef>
+              <a:spcAft>
+                <a:spcPts val="600"/>
+              </a:spcAft>
+              <a:buClr>
+                <a:schemeClr val="accent1"/>
+              </a:buClr>
+              <a:buSzPct val="100000"/>
+              <a:buFont typeface="Arial"/>
+              <a:buChar char="•"/>
+              <a:defRPr sz="1200" kern="1200" cap="small">
+                <a:solidFill>
+                  <a:schemeClr val="tx1"/>
+                </a:solidFill>
+                <a:effectLst>
+                  <a:glow rad="38100">
+                    <a:schemeClr val="bg1">
+                      <a:lumMod val="50000"/>
+                      <a:lumOff val="50000"/>
+                      <a:alpha val="20000"/>
+                    </a:schemeClr>
+                  </a:glow>
+                  <a:outerShdw blurRad="44450" dist="12700" dir="13860000" algn="tl" rotWithShape="0">
+                    <a:srgbClr val="000000">
+                      <a:alpha val="20000"/>
+                    </a:srgbClr>
+                  </a:outerShdw>
+                </a:effectLst>
+                <a:latin typeface="+mn-lt"/>
+                <a:ea typeface="+mn-ea"/>
+                <a:cs typeface="+mn-cs"/>
+              </a:defRPr>
+            </a:lvl9pPr>
+          </a:lstStyle>
+          <a:p>
+            <a:pPr marL="0" indent="0">
+              <a:buFont typeface="Arial"/>
+              <a:buNone/>
+            </a:pPr>
+            <a:r>
+              <a:rPr lang="en-US" smtClean="0"/>
+              <a:t>Admin </a:t>
+            </a:r>
+            <a:r>
+              <a:rPr lang="bg-BG" smtClean="0"/>
+              <a:t>превилегии:</a:t>
+            </a:r>
+            <a:endParaRPr lang="en-US" smtClean="0"/>
+          </a:p>
+          <a:p>
+            <a:r>
+              <a:rPr lang="bg-BG" smtClean="0"/>
+              <a:t>Селектиране данни от всички таблици</a:t>
+            </a:r>
+          </a:p>
+          <a:p>
+            <a:r>
+              <a:rPr lang="bg-BG" smtClean="0"/>
+              <a:t>Въвеждане данни във всички таблици</a:t>
+            </a:r>
+          </a:p>
+          <a:p>
+            <a:r>
+              <a:rPr lang="bg-BG" smtClean="0"/>
+              <a:t>Анулиране продажба</a:t>
+            </a:r>
+          </a:p>
+          <a:p>
+            <a:r>
+              <a:rPr lang="bg-BG" smtClean="0"/>
+              <a:t>Изтриване данни от всички таблици</a:t>
+            </a:r>
+            <a:endParaRPr lang="en-US" dirty="0"/>
+          </a:p>
+        </p:txBody>
+      </p:sp>
     </p:spTree>
     <p:extLst>
       <p:ext uri="{BB962C8B-B14F-4D97-AF65-F5344CB8AC3E}">
@@ -12876,7 +14368,7 @@
           <p:cNvPr id="2" name="Title 1">
             <a:extLst>
               <a:ext uri="{FF2B5EF4-FFF2-40B4-BE49-F238E27FC236}">
-                <a16:creationId xmlns="" xmlns:a16="http://schemas.microsoft.com/office/drawing/2014/main" id="{74080833-6B30-404E-B0FA-39D7DC4B1616}"/>
+                <a16:creationId xmlns:a16="http://schemas.microsoft.com/office/drawing/2014/main" id="{74080833-6B30-404E-B0FA-39D7DC4B1616}"/>
               </a:ext>
             </a:extLst>
           </p:cNvPr>
@@ -12932,7 +14424,7 @@
           <p:cNvPr id="4" name="Subtitle 3">
             <a:extLst>
               <a:ext uri="{FF2B5EF4-FFF2-40B4-BE49-F238E27FC236}">
-                <a16:creationId xmlns="" xmlns:a16="http://schemas.microsoft.com/office/drawing/2014/main" id="{D49C5163-C20C-4544-B7B1-4C17B8DBE161}"/>
+                <a16:creationId xmlns:a16="http://schemas.microsoft.com/office/drawing/2014/main" id="{D49C5163-C20C-4544-B7B1-4C17B8DBE161}"/>
               </a:ext>
             </a:extLst>
           </p:cNvPr>
@@ -13004,7 +14496,7 @@
           <p:cNvPr id="6" name="Picture 5">
             <a:extLst>
               <a:ext uri="{FF2B5EF4-FFF2-40B4-BE49-F238E27FC236}">
-                <a16:creationId xmlns="" xmlns:a16="http://schemas.microsoft.com/office/drawing/2014/main" id="{082DAC18-E623-0546-920C-6676DF6BBA3F}"/>
+                <a16:creationId xmlns:a16="http://schemas.microsoft.com/office/drawing/2014/main" id="{082DAC18-E623-0546-920C-6676DF6BBA3F}"/>
               </a:ext>
             </a:extLst>
           </p:cNvPr>
@@ -13168,7 +14660,11 @@
           <a:p>
             <a:r>
               <a:rPr lang="bg-BG" dirty="0" smtClean="0"/>
-              <a:t>Роли: служител и администратор</a:t>
+              <a:t>Роли: </a:t>
+            </a:r>
+            <a:r>
+              <a:rPr lang="bg-BG" dirty="0" smtClean="0"/>
+              <a:t>служител, администратор и клиент</a:t>
             </a:r>
             <a:endParaRPr lang="en-US" dirty="0"/>
           </a:p>
@@ -13179,7 +14675,7 @@
           <p:cNvPr id="5" name="Picture 4">
             <a:extLst>
               <a:ext uri="{FF2B5EF4-FFF2-40B4-BE49-F238E27FC236}">
-                <a16:creationId xmlns="" xmlns:a16="http://schemas.microsoft.com/office/drawing/2014/main" id="{082DAC18-E623-0546-920C-6676DF6BBA3F}"/>
+                <a16:creationId xmlns:a16="http://schemas.microsoft.com/office/drawing/2014/main" id="{082DAC18-E623-0546-920C-6676DF6BBA3F}"/>
               </a:ext>
             </a:extLst>
           </p:cNvPr>
@@ -13202,7 +14698,7 @@
         </p:blipFill>
         <p:spPr>
           <a:xfrm>
-            <a:off x="16042" y="-2779300"/>
+            <a:off x="-113883" y="-5510469"/>
             <a:ext cx="12416589" cy="12416589"/>
           </a:xfrm>
           <a:prstGeom prst="rect">
@@ -13267,7 +14763,7 @@
           <p:cNvPr id="11" name="Content Placeholder 8" descr="Icon SmartArt graphic">
             <a:extLst>
               <a:ext uri="{FF2B5EF4-FFF2-40B4-BE49-F238E27FC236}">
-                <a16:creationId xmlns="" xmlns:a16="http://schemas.microsoft.com/office/drawing/2014/main" id="{1E8F1206-26E1-9E44-A1A9-B061CF0EEA5A}"/>
+                <a16:creationId xmlns:a16="http://schemas.microsoft.com/office/drawing/2014/main" id="{1E8F1206-26E1-9E44-A1A9-B061CF0EEA5A}"/>
               </a:ext>
             </a:extLst>
           </p:cNvPr>
@@ -13297,7 +14793,7 @@
           <p:cNvPr id="12" name="Title 1">
             <a:extLst>
               <a:ext uri="{FF2B5EF4-FFF2-40B4-BE49-F238E27FC236}">
-                <a16:creationId xmlns="" xmlns:a16="http://schemas.microsoft.com/office/drawing/2014/main" id="{A850B972-0B7A-40CD-9E79-07E8A87AB03C}"/>
+                <a16:creationId xmlns:a16="http://schemas.microsoft.com/office/drawing/2014/main" id="{A850B972-0B7A-40CD-9E79-07E8A87AB03C}"/>
               </a:ext>
             </a:extLst>
           </p:cNvPr>
@@ -13440,10 +14936,10 @@
           <p:cNvPr id="26" name="Rectangle 25">
             <a:extLst>
               <a:ext uri="{FF2B5EF4-FFF2-40B4-BE49-F238E27FC236}">
-                <a16:creationId xmlns="" xmlns:a16="http://schemas.microsoft.com/office/drawing/2014/main" id="{E7EE51AF-124C-4480-A4EA-7C1E9F8CC865}"/>
+                <a16:creationId xmlns:a16="http://schemas.microsoft.com/office/drawing/2014/main" id="{E7EE51AF-124C-4480-A4EA-7C1E9F8CC865}"/>
               </a:ext>
               <a:ext uri="{C183D7F6-B498-43B3-948B-1728B52AA6E4}">
-                <adec:decorative xmlns="" xmlns:adec="http://schemas.microsoft.com/office/drawing/2017/decorative" val="1"/>
+                <adec:decorative xmlns:adec="http://schemas.microsoft.com/office/drawing/2017/decorative" xmlns="" val="1"/>
               </a:ext>
             </a:extLst>
           </p:cNvPr>
@@ -13453,7 +14949,7 @@
           <p:nvPr>
             <p:extLst>
               <p:ext uri="{386F3935-93C4-4BCD-93E2-E3B085C9AB24}">
-                <p16:designElem xmlns="" xmlns:p16="http://schemas.microsoft.com/office/powerpoint/2015/main" val="1"/>
+                <p16:designElem xmlns:p16="http://schemas.microsoft.com/office/powerpoint/2015/main" val="1"/>
               </p:ext>
             </p:extLst>
           </p:nvPr>
@@ -13510,10 +15006,10 @@
           <p:cNvPr id="27" name="Rectangle 26">
             <a:extLst>
               <a:ext uri="{FF2B5EF4-FFF2-40B4-BE49-F238E27FC236}">
-                <a16:creationId xmlns="" xmlns:a16="http://schemas.microsoft.com/office/drawing/2014/main" id="{6C0983F6-1C8E-4D0F-98C9-3667AD6E718A}"/>
+                <a16:creationId xmlns:a16="http://schemas.microsoft.com/office/drawing/2014/main" id="{6C0983F6-1C8E-4D0F-98C9-3667AD6E718A}"/>
               </a:ext>
               <a:ext uri="{C183D7F6-B498-43B3-948B-1728B52AA6E4}">
-                <adec:decorative xmlns="" xmlns:adec="http://schemas.microsoft.com/office/drawing/2017/decorative" val="1"/>
+                <adec:decorative xmlns:adec="http://schemas.microsoft.com/office/drawing/2017/decorative" xmlns="" val="1"/>
               </a:ext>
             </a:extLst>
           </p:cNvPr>
@@ -13523,7 +15019,7 @@
           <p:nvPr>
             <p:extLst>
               <p:ext uri="{386F3935-93C4-4BCD-93E2-E3B085C9AB24}">
-                <p16:designElem xmlns="" xmlns:p16="http://schemas.microsoft.com/office/powerpoint/2015/main" val="1"/>
+                <p16:designElem xmlns:p16="http://schemas.microsoft.com/office/powerpoint/2015/main" val="1"/>
               </p:ext>
             </p:extLst>
           </p:nvPr>
@@ -13575,7 +15071,7 @@
           <p:cNvPr id="28" name="Picture 27">
             <a:extLst>
               <a:ext uri="{FF2B5EF4-FFF2-40B4-BE49-F238E27FC236}">
-                <a16:creationId xmlns="" xmlns:a16="http://schemas.microsoft.com/office/drawing/2014/main" id="{EE1B592D-31D6-3841-8CC1-3C629FEDB5DE}"/>
+                <a16:creationId xmlns:a16="http://schemas.microsoft.com/office/drawing/2014/main" id="{EE1B592D-31D6-3841-8CC1-3C629FEDB5DE}"/>
               </a:ext>
             </a:extLst>
           </p:cNvPr>
@@ -13611,7 +15107,7 @@
           <p:cNvPr id="29" name="Picture 28">
             <a:extLst>
               <a:ext uri="{FF2B5EF4-FFF2-40B4-BE49-F238E27FC236}">
-                <a16:creationId xmlns="" xmlns:a16="http://schemas.microsoft.com/office/drawing/2014/main" id="{7480DF21-DE52-7742-819E-D9D5B4148268}"/>
+                <a16:creationId xmlns:a16="http://schemas.microsoft.com/office/drawing/2014/main" id="{7480DF21-DE52-7742-819E-D9D5B4148268}"/>
               </a:ext>
             </a:extLst>
           </p:cNvPr>
@@ -13706,7 +15202,7 @@
           <p:cNvPr id="30" name="Picture 29">
             <a:extLst>
               <a:ext uri="{FF2B5EF4-FFF2-40B4-BE49-F238E27FC236}">
-                <a16:creationId xmlns="" xmlns:a16="http://schemas.microsoft.com/office/drawing/2014/main" id="{8D11AB9E-363B-C248-9288-085B4151B414}"/>
+                <a16:creationId xmlns:a16="http://schemas.microsoft.com/office/drawing/2014/main" id="{8D11AB9E-363B-C248-9288-085B4151B414}"/>
               </a:ext>
             </a:extLst>
           </p:cNvPr>
@@ -13771,10 +15267,10 @@
           <p:cNvPr id="32" name="Rectangle 31">
             <a:extLst>
               <a:ext uri="{FF2B5EF4-FFF2-40B4-BE49-F238E27FC236}">
-                <a16:creationId xmlns="" xmlns:a16="http://schemas.microsoft.com/office/drawing/2014/main" id="{48757540-E5B7-47A6-BD81-8B54DAF689FD}"/>
+                <a16:creationId xmlns:a16="http://schemas.microsoft.com/office/drawing/2014/main" id="{48757540-E5B7-47A6-BD81-8B54DAF689FD}"/>
               </a:ext>
               <a:ext uri="{C183D7F6-B498-43B3-948B-1728B52AA6E4}">
-                <adec:decorative xmlns="" xmlns:adec="http://schemas.microsoft.com/office/drawing/2017/decorative" val="1"/>
+                <adec:decorative xmlns:adec="http://schemas.microsoft.com/office/drawing/2017/decorative" xmlns="" val="1"/>
               </a:ext>
             </a:extLst>
           </p:cNvPr>
@@ -13784,7 +15280,7 @@
           <p:nvPr>
             <p:extLst>
               <p:ext uri="{386F3935-93C4-4BCD-93E2-E3B085C9AB24}">
-                <p16:designElem xmlns="" xmlns:p16="http://schemas.microsoft.com/office/powerpoint/2015/main" val="1"/>
+                <p16:designElem xmlns:p16="http://schemas.microsoft.com/office/powerpoint/2015/main" val="1"/>
               </p:ext>
             </p:extLst>
           </p:nvPr>
@@ -13834,7 +15330,7 @@
           <p:cNvPr id="33" name="Picture 32">
             <a:extLst>
               <a:ext uri="{FF2B5EF4-FFF2-40B4-BE49-F238E27FC236}">
-                <a16:creationId xmlns="" xmlns:a16="http://schemas.microsoft.com/office/drawing/2014/main" id="{6AC1EBEB-9D74-3E4C-9BDC-668D2D212A5F}"/>
+                <a16:creationId xmlns:a16="http://schemas.microsoft.com/office/drawing/2014/main" id="{6AC1EBEB-9D74-3E4C-9BDC-668D2D212A5F}"/>
               </a:ext>
             </a:extLst>
           </p:cNvPr>
@@ -13870,7 +15366,7 @@
           <p:cNvPr id="35" name="Picture 34">
             <a:extLst>
               <a:ext uri="{FF2B5EF4-FFF2-40B4-BE49-F238E27FC236}">
-                <a16:creationId xmlns="" xmlns:a16="http://schemas.microsoft.com/office/drawing/2014/main" id="{082DAC18-E623-0546-920C-6676DF6BBA3F}"/>
+                <a16:creationId xmlns:a16="http://schemas.microsoft.com/office/drawing/2014/main" id="{082DAC18-E623-0546-920C-6676DF6BBA3F}"/>
               </a:ext>
             </a:extLst>
           </p:cNvPr>
@@ -14092,7 +15588,7 @@
           <p:cNvPr id="10" name="Picture 9">
             <a:extLst>
               <a:ext uri="{FF2B5EF4-FFF2-40B4-BE49-F238E27FC236}">
-                <a16:creationId xmlns="" xmlns:a16="http://schemas.microsoft.com/office/drawing/2014/main" id="{082DAC18-E623-0546-920C-6676DF6BBA3F}"/>
+                <a16:creationId xmlns:a16="http://schemas.microsoft.com/office/drawing/2014/main" id="{082DAC18-E623-0546-920C-6676DF6BBA3F}"/>
               </a:ext>
             </a:extLst>
           </p:cNvPr>
@@ -14204,7 +15700,7 @@
           <p:cNvPr id="2" name="Title 1">
             <a:extLst>
               <a:ext uri="{FF2B5EF4-FFF2-40B4-BE49-F238E27FC236}">
-                <a16:creationId xmlns="" xmlns:a16="http://schemas.microsoft.com/office/drawing/2014/main" id="{BA84F96F-B0BE-4E84-A401-8F8438058CAB}"/>
+                <a16:creationId xmlns:a16="http://schemas.microsoft.com/office/drawing/2014/main" id="{BA84F96F-B0BE-4E84-A401-8F8438058CAB}"/>
               </a:ext>
             </a:extLst>
           </p:cNvPr>
@@ -14257,7 +15753,7 @@
           <p:cNvPr id="5" name="Content Placeholder 2" descr="Icon SmartArt graphic">
             <a:extLst>
               <a:ext uri="{FF2B5EF4-FFF2-40B4-BE49-F238E27FC236}">
-                <a16:creationId xmlns="" xmlns:a16="http://schemas.microsoft.com/office/drawing/2014/main" id="{2B828A48-3EC3-4EF9-8697-5D2A44F3F052}"/>
+                <a16:creationId xmlns:a16="http://schemas.microsoft.com/office/drawing/2014/main" id="{2B828A48-3EC3-4EF9-8697-5D2A44F3F052}"/>
               </a:ext>
             </a:extLst>
           </p:cNvPr>
@@ -14288,7 +15784,7 @@
           <p:cNvPr id="7" name="Picture 6">
             <a:extLst>
               <a:ext uri="{FF2B5EF4-FFF2-40B4-BE49-F238E27FC236}">
-                <a16:creationId xmlns="" xmlns:a16="http://schemas.microsoft.com/office/drawing/2014/main" id="{78F172A8-6231-D14E-A13D-8613F2AEAD88}"/>
+                <a16:creationId xmlns:a16="http://schemas.microsoft.com/office/drawing/2014/main" id="{78F172A8-6231-D14E-A13D-8613F2AEAD88}"/>
               </a:ext>
             </a:extLst>
           </p:cNvPr>
@@ -14328,7 +15824,7 @@
           <p:cNvPr id="4" name="Picture 3">
             <a:extLst>
               <a:ext uri="{FF2B5EF4-FFF2-40B4-BE49-F238E27FC236}">
-                <a16:creationId xmlns="" xmlns:a16="http://schemas.microsoft.com/office/drawing/2014/main" id="{5D8F1927-EC97-404E-90EF-533BB92836CD}"/>
+                <a16:creationId xmlns:a16="http://schemas.microsoft.com/office/drawing/2014/main" id="{5D8F1927-EC97-404E-90EF-533BB92836CD}"/>
               </a:ext>
             </a:extLst>
           </p:cNvPr>
@@ -14436,7 +15932,7 @@
           <p:cNvPr id="12" name="Picture 11">
             <a:extLst>
               <a:ext uri="{FF2B5EF4-FFF2-40B4-BE49-F238E27FC236}">
-                <a16:creationId xmlns="" xmlns:a16="http://schemas.microsoft.com/office/drawing/2014/main" id="{082DAC18-E623-0546-920C-6676DF6BBA3F}"/>
+                <a16:creationId xmlns:a16="http://schemas.microsoft.com/office/drawing/2014/main" id="{082DAC18-E623-0546-920C-6676DF6BBA3F}"/>
               </a:ext>
             </a:extLst>
           </p:cNvPr>
@@ -14790,7 +16286,7 @@
           <p:cNvPr id="12" name="Picture 11">
             <a:extLst>
               <a:ext uri="{FF2B5EF4-FFF2-40B4-BE49-F238E27FC236}">
-                <a16:creationId xmlns="" xmlns:a16="http://schemas.microsoft.com/office/drawing/2014/main" id="{082DAC18-E623-0546-920C-6676DF6BBA3F}"/>
+                <a16:creationId xmlns:a16="http://schemas.microsoft.com/office/drawing/2014/main" id="{082DAC18-E623-0546-920C-6676DF6BBA3F}"/>
               </a:ext>
             </a:extLst>
           </p:cNvPr>
@@ -14983,7 +16479,7 @@
           <p:cNvPr id="5" name="Picture 4">
             <a:extLst>
               <a:ext uri="{FF2B5EF4-FFF2-40B4-BE49-F238E27FC236}">
-                <a16:creationId xmlns="" xmlns:a16="http://schemas.microsoft.com/office/drawing/2014/main" id="{082DAC18-E623-0546-920C-6676DF6BBA3F}"/>
+                <a16:creationId xmlns:a16="http://schemas.microsoft.com/office/drawing/2014/main" id="{082DAC18-E623-0546-920C-6676DF6BBA3F}"/>
               </a:ext>
             </a:extLst>
           </p:cNvPr>
@@ -15211,7 +16707,7 @@
           <p:cNvPr id="6" name="Picture 5">
             <a:extLst>
               <a:ext uri="{FF2B5EF4-FFF2-40B4-BE49-F238E27FC236}">
-                <a16:creationId xmlns="" xmlns:a16="http://schemas.microsoft.com/office/drawing/2014/main" id="{082DAC18-E623-0546-920C-6676DF6BBA3F}"/>
+                <a16:creationId xmlns:a16="http://schemas.microsoft.com/office/drawing/2014/main" id="{082DAC18-E623-0546-920C-6676DF6BBA3F}"/>
               </a:ext>
             </a:extLst>
           </p:cNvPr>
@@ -15438,7 +16934,7 @@
           <p:cNvPr id="5" name="Picture 4">
             <a:extLst>
               <a:ext uri="{FF2B5EF4-FFF2-40B4-BE49-F238E27FC236}">
-                <a16:creationId xmlns="" xmlns:a16="http://schemas.microsoft.com/office/drawing/2014/main" id="{082DAC18-E623-0546-920C-6676DF6BBA3F}"/>
+                <a16:creationId xmlns:a16="http://schemas.microsoft.com/office/drawing/2014/main" id="{082DAC18-E623-0546-920C-6676DF6BBA3F}"/>
               </a:ext>
             </a:extLst>
           </p:cNvPr>
@@ -16360,6 +17856,15 @@
 </file>
 
 <file path=customXml/item2.xml><?xml version="1.0" encoding="utf-8"?>
+<?mso-contentType ?>
+<FormTemplates xmlns="http://schemas.microsoft.com/sharepoint/v3/contenttype/forms">
+  <Display>DocumentLibraryForm</Display>
+  <Edit>DocumentLibraryForm</Edit>
+  <New>DocumentLibraryForm</New>
+</FormTemplates>
+</file>
+
+<file path=customXml/item3.xml><?xml version="1.0" encoding="utf-8"?>
 <ct:contentTypeSchema xmlns:ct="http://schemas.microsoft.com/office/2006/metadata/contentType" xmlns:ma="http://schemas.microsoft.com/office/2006/metadata/properties/metaAttributes" ct:_="" ma:_="" ma:contentTypeName="Document" ma:contentTypeID="0x01010079F111ED35F8CC479449609E8A0923A6" ma:contentTypeVersion="12" ma:contentTypeDescription="Create a new document." ma:contentTypeScope="" ma:versionID="b385d60f68dd989dca1fdc827799d853">
   <xsd:schema xmlns:xsd="http://www.w3.org/2001/XMLSchema" xmlns:xs="http://www.w3.org/2001/XMLSchema" xmlns:p="http://schemas.microsoft.com/office/2006/metadata/properties" xmlns:ns2="71af3243-3dd4-4a8d-8c0d-dd76da1f02a5" xmlns:ns3="16c05727-aa75-4e4a-9b5f-8a80a1165891" targetNamespace="http://schemas.microsoft.com/office/2006/metadata/properties" ma:root="true" ma:fieldsID="1911b479caf7b199da365455750e4572" ns2:_="" ns3:_="">
     <xsd:import namespace="71af3243-3dd4-4a8d-8c0d-dd76da1f02a5"/>
@@ -16580,15 +18085,6 @@
 </ct:contentTypeSchema>
 </file>
 
-<file path=customXml/item3.xml><?xml version="1.0" encoding="utf-8"?>
-<?mso-contentType ?>
-<FormTemplates xmlns="http://schemas.microsoft.com/sharepoint/v3/contenttype/forms">
-  <Display>DocumentLibraryForm</Display>
-  <Edit>DocumentLibraryForm</Edit>
-  <New>DocumentLibraryForm</New>
-</FormTemplates>
-</file>
-
 <file path=customXml/itemProps1.xml><?xml version="1.0" encoding="utf-8"?>
 <ds:datastoreItem xmlns:ds="http://schemas.openxmlformats.org/officeDocument/2006/customXml" ds:itemID="{F408A8D6-033A-472B-8BEB-63B8F7C284EB}">
   <ds:schemaRefs>
@@ -16600,6 +18096,14 @@
 </file>
 
 <file path=customXml/itemProps2.xml><?xml version="1.0" encoding="utf-8"?>
+<ds:datastoreItem xmlns:ds="http://schemas.openxmlformats.org/officeDocument/2006/customXml" ds:itemID="{A1CC7B47-8D79-4E1A-80B5-7F70A543A948}">
+  <ds:schemaRefs>
+    <ds:schemaRef ds:uri="http://schemas.microsoft.com/sharepoint/v3/contenttype/forms"/>
+  </ds:schemaRefs>
+</ds:datastoreItem>
+</file>
+
+<file path=customXml/itemProps3.xml><?xml version="1.0" encoding="utf-8"?>
 <ds:datastoreItem xmlns:ds="http://schemas.openxmlformats.org/officeDocument/2006/customXml" ds:itemID="{3DEBAF10-1A7F-447E-92EE-8F0A8D52905B}">
   <ds:schemaRefs>
     <ds:schemaRef ds:uri="http://schemas.microsoft.com/office/2006/metadata/contentType"/>
@@ -16616,12 +18120,4 @@
     <ds:schemaRef ds:uri="http://schemas.microsoft.com/internal/obd"/>
   </ds:schemaRefs>
 </ds:datastoreItem>
-</file>
-
-<file path=customXml/itemProps3.xml><?xml version="1.0" encoding="utf-8"?>
-<ds:datastoreItem xmlns:ds="http://schemas.openxmlformats.org/officeDocument/2006/customXml" ds:itemID="{A1CC7B47-8D79-4E1A-80B5-7F70A543A948}">
-  <ds:schemaRefs>
-    <ds:schemaRef ds:uri="http://schemas.microsoft.com/sharepoint/v3/contenttype/forms"/>
-  </ds:schemaRefs>
-</ds:datastoreItem>
 </file>
--- a/_target/ПРЕЗЕНТАЦИЯ.pptx
+++ b/_target/ПРЕЗЕНТАЦИЯ.pptx
@@ -1974,7 +1974,7 @@
                 <a14:useLocalDpi xmlns:a14="http://schemas.microsoft.com/office/drawing/2010/main" val="0"/>
               </a:ext>
               <a:ext uri="{96DAC541-7B7A-43D3-8B79-37D633B846F1}">
-                <asvg:svgBlip xmlns:asvg="http://schemas.microsoft.com/office/drawing/2016/SVG/main" xmlns="" r:embed="rId2"/>
+                <asvg:svgBlip xmlns="" xmlns:asvg="http://schemas.microsoft.com/office/drawing/2016/SVG/main" r:embed="rId2"/>
               </a:ext>
             </a:extLst>
           </a:blip>
@@ -2034,7 +2034,7 @@
                 <a14:useLocalDpi xmlns:a14="http://schemas.microsoft.com/office/drawing/2010/main" val="0"/>
               </a:ext>
               <a:ext uri="{96DAC541-7B7A-43D3-8B79-37D633B846F1}">
-                <asvg:svgBlip xmlns:asvg="http://schemas.microsoft.com/office/drawing/2016/SVG/main" xmlns="" r:embed="rId4"/>
+                <asvg:svgBlip xmlns="" xmlns:asvg="http://schemas.microsoft.com/office/drawing/2016/SVG/main" r:embed="rId4"/>
               </a:ext>
             </a:extLst>
           </a:blip>
@@ -2094,7 +2094,7 @@
                 <a14:useLocalDpi xmlns:a14="http://schemas.microsoft.com/office/drawing/2010/main" val="0"/>
               </a:ext>
               <a:ext uri="{96DAC541-7B7A-43D3-8B79-37D633B846F1}">
-                <asvg:svgBlip xmlns:asvg="http://schemas.microsoft.com/office/drawing/2016/SVG/main" xmlns="" r:embed="rId6"/>
+                <asvg:svgBlip xmlns="" xmlns:asvg="http://schemas.microsoft.com/office/drawing/2016/SVG/main" r:embed="rId6"/>
               </a:ext>
             </a:extLst>
           </a:blip>
@@ -2560,8 +2560,8 @@
     <dgm:cxn modelId="{E8FDC109-B482-B84E-95EE-92A52C5C47F4}" type="presOf" srcId="{76D56F19-2708-49DB-8F92-D8AC45F23A9A}" destId="{D42A6699-F599-8045-897A-5A654DF673C0}" srcOrd="0" destOrd="0" presId="urn:microsoft.com/office/officeart/2016/7/layout/RepeatingBendingProcessNew"/>
     <dgm:cxn modelId="{32E90211-17E0-4DDF-9274-DD3E46D811B8}" srcId="{D4503D04-C97E-4622-AE07-D0307CB3B4CA}" destId="{76D56F19-2708-49DB-8F92-D8AC45F23A9A}" srcOrd="3" destOrd="0" parTransId="{9D5610C2-0A12-494A-AC46-8DD17C08B09F}" sibTransId="{EC8965A1-F755-4945-8AAC-DCF1F68F011E}"/>
     <dgm:cxn modelId="{F8B1B2F7-3A59-4853-AFE0-E65A212EE766}" srcId="{D4503D04-C97E-4622-AE07-D0307CB3B4CA}" destId="{B79ECDB7-B5CB-4EF6-A428-D91148A9CC29}" srcOrd="4" destOrd="0" parTransId="{253AC280-0C82-4047-88C9-7F5B6F548108}" sibTransId="{28C61579-17A1-4661-9A15-83039FA09613}"/>
+    <dgm:cxn modelId="{09D308B5-2DBA-41DE-948F-C158BD6B9430}" type="presOf" srcId="{EC8965A1-F755-4945-8AAC-DCF1F68F011E}" destId="{1963855F-10FA-4D4F-9B50-7CC7FF4354E3}" srcOrd="1" destOrd="0" presId="urn:microsoft.com/office/officeart/2016/7/layout/RepeatingBendingProcessNew"/>
     <dgm:cxn modelId="{47016397-455F-EC49-8301-8A7FB8F85FB3}" type="presOf" srcId="{D4503D04-C97E-4622-AE07-D0307CB3B4CA}" destId="{C7117AA3-29D3-A641-A58D-533CC172901B}" srcOrd="0" destOrd="0" presId="urn:microsoft.com/office/officeart/2016/7/layout/RepeatingBendingProcessNew"/>
-    <dgm:cxn modelId="{09D308B5-2DBA-41DE-948F-C158BD6B9430}" type="presOf" srcId="{EC8965A1-F755-4945-8AAC-DCF1F68F011E}" destId="{1963855F-10FA-4D4F-9B50-7CC7FF4354E3}" srcOrd="1" destOrd="0" presId="urn:microsoft.com/office/officeart/2016/7/layout/RepeatingBendingProcessNew"/>
     <dgm:cxn modelId="{4B40C8DC-6B57-4F5B-8440-7241C649700B}" srcId="{D4503D04-C97E-4622-AE07-D0307CB3B4CA}" destId="{93A6A030-ABAB-4EFA-B539-0FDB3E07C1EF}" srcOrd="2" destOrd="0" parTransId="{3D674B97-6DC6-4A12-85BA-0976D3064237}" sibTransId="{BFE0749E-E343-4A6F-BD09-2810EE6B4BD7}"/>
     <dgm:cxn modelId="{FE75BCD7-BEFD-2B4A-857D-4205F1F546BF}" type="presOf" srcId="{AAC263CB-8256-4B03-92FE-1622698FB3E9}" destId="{591CA60E-213E-7B4B-B9DE-D89D137D3DA9}" srcOrd="0" destOrd="0" presId="urn:microsoft.com/office/officeart/2016/7/layout/RepeatingBendingProcessNew"/>
     <dgm:cxn modelId="{A9B54F08-706D-074E-8E9A-EBFEEAA22FAA}" type="presOf" srcId="{808B76D0-8EC7-469A-93AC-7A6017188A9D}" destId="{DBF0B936-C069-4B45-92D0-BC84490381D7}" srcOrd="1" destOrd="0" presId="urn:microsoft.com/office/officeart/2016/7/layout/RepeatingBendingProcessNew"/>
@@ -2663,7 +2663,7 @@
                 <a14:useLocalDpi xmlns:a14="http://schemas.microsoft.com/office/drawing/2010/main" val="0"/>
               </a:ext>
               <a:ext uri="{96DAC541-7B7A-43D3-8B79-37D633B846F1}">
-                <asvg:svgBlip xmlns:asvg="http://schemas.microsoft.com/office/drawing/2016/SVG/main" xmlns="" r:embed="rId2"/>
+                <asvg:svgBlip xmlns="" xmlns:asvg="http://schemas.microsoft.com/office/drawing/2016/SVG/main" r:embed="rId2"/>
               </a:ext>
             </a:extLst>
           </a:blip>
@@ -2813,7 +2813,7 @@
                 <a14:useLocalDpi xmlns:a14="http://schemas.microsoft.com/office/drawing/2010/main" val="0"/>
               </a:ext>
               <a:ext uri="{96DAC541-7B7A-43D3-8B79-37D633B846F1}">
-                <asvg:svgBlip xmlns:asvg="http://schemas.microsoft.com/office/drawing/2016/SVG/main" xmlns="" r:embed="rId4"/>
+                <asvg:svgBlip xmlns="" xmlns:asvg="http://schemas.microsoft.com/office/drawing/2016/SVG/main" r:embed="rId4"/>
               </a:ext>
             </a:extLst>
           </a:blip>
@@ -2963,7 +2963,7 @@
                 <a14:useLocalDpi xmlns:a14="http://schemas.microsoft.com/office/drawing/2010/main" val="0"/>
               </a:ext>
               <a:ext uri="{96DAC541-7B7A-43D3-8B79-37D633B846F1}">
-                <asvg:svgBlip xmlns:asvg="http://schemas.microsoft.com/office/drawing/2016/SVG/main" xmlns="" r:embed="rId6"/>
+                <asvg:svgBlip xmlns="" xmlns:asvg="http://schemas.microsoft.com/office/drawing/2016/SVG/main" r:embed="rId6"/>
               </a:ext>
             </a:extLst>
           </a:blip>
@@ -4052,7 +4052,7 @@
   </dgm:layoutNode>
   <dgm:extLst>
     <a:ext uri="{68A01E43-0DF5-4B5B-8FA6-DAF915123BFB}">
-      <dgm1612:lstStyle xmlns:dgm1612="http://schemas.microsoft.com/office/drawing/2016/12/diagram" xmlns="">
+      <dgm1612:lstStyle xmlns="" xmlns:dgm1612="http://schemas.microsoft.com/office/drawing/2016/12/diagram">
         <a:lvl1pPr>
           <a:lnSpc>
             <a:spcPct val="100000"/>
@@ -13466,20 +13466,14 @@
           <a:p>
             <a:r>
               <a:rPr lang="bg-BG" dirty="0" smtClean="0"/>
-              <a:t>Селектиране данни от </a:t>
-            </a:r>
-            <a:r>
-              <a:rPr lang="bg-BG" dirty="0" smtClean="0"/>
-              <a:t>таблици свързани с продуктите</a:t>
-            </a:r>
-            <a:endParaRPr lang="bg-BG" dirty="0" smtClean="0"/>
+              <a:t>Селектиране данни от таблици свързани с продуктите</a:t>
+            </a:r>
           </a:p>
           <a:p>
             <a:r>
               <a:rPr lang="bg-BG" dirty="0" smtClean="0"/>
               <a:t>Анулиране продажба</a:t>
             </a:r>
-            <a:endParaRPr lang="bg-BG" dirty="0" smtClean="0"/>
           </a:p>
         </p:txBody>
       </p:sp>
@@ -13836,11 +13830,15 @@
             </a:pPr>
             <a:r>
               <a:rPr lang="en-US" dirty="0" smtClean="0"/>
-              <a:t>User</a:t>
+              <a:t>Employee</a:t>
             </a:r>
             <a:r>
               <a:rPr lang="bg-BG" dirty="0" smtClean="0"/>
-              <a:t> превилегии:</a:t>
+              <a:t> </a:t>
+            </a:r>
+            <a:r>
+              <a:rPr lang="bg-BG" dirty="0" smtClean="0"/>
+              <a:t>превилегии:</a:t>
             </a:r>
           </a:p>
           <a:p>
@@ -13890,7 +13888,7 @@
         </p:blipFill>
         <p:spPr>
           <a:xfrm>
-            <a:off x="-26079" y="-305557"/>
+            <a:off x="-26079" y="-654510"/>
             <a:ext cx="12311619" cy="7694762"/>
           </a:xfrm>
           <a:prstGeom prst="rect">
@@ -14660,11 +14658,7 @@
           <a:p>
             <a:r>
               <a:rPr lang="bg-BG" dirty="0" smtClean="0"/>
-              <a:t>Роли: </a:t>
-            </a:r>
-            <a:r>
-              <a:rPr lang="bg-BG" dirty="0" smtClean="0"/>
-              <a:t>служител, администратор и клиент</a:t>
+              <a:t>Роли: служител, администратор и клиент</a:t>
             </a:r>
             <a:endParaRPr lang="en-US" dirty="0"/>
           </a:p>
@@ -14939,7 +14933,7 @@
                 <a16:creationId xmlns:a16="http://schemas.microsoft.com/office/drawing/2014/main" id="{E7EE51AF-124C-4480-A4EA-7C1E9F8CC865}"/>
               </a:ext>
               <a:ext uri="{C183D7F6-B498-43B3-948B-1728B52AA6E4}">
-                <adec:decorative xmlns:adec="http://schemas.microsoft.com/office/drawing/2017/decorative" xmlns="" val="1"/>
+                <adec:decorative xmlns="" xmlns:adec="http://schemas.microsoft.com/office/drawing/2017/decorative" val="1"/>
               </a:ext>
             </a:extLst>
           </p:cNvPr>
@@ -15009,7 +15003,7 @@
                 <a16:creationId xmlns:a16="http://schemas.microsoft.com/office/drawing/2014/main" id="{6C0983F6-1C8E-4D0F-98C9-3667AD6E718A}"/>
               </a:ext>
               <a:ext uri="{C183D7F6-B498-43B3-948B-1728B52AA6E4}">
-                <adec:decorative xmlns:adec="http://schemas.microsoft.com/office/drawing/2017/decorative" xmlns="" val="1"/>
+                <adec:decorative xmlns="" xmlns:adec="http://schemas.microsoft.com/office/drawing/2017/decorative" val="1"/>
               </a:ext>
             </a:extLst>
           </p:cNvPr>
@@ -15270,7 +15264,7 @@
                 <a16:creationId xmlns:a16="http://schemas.microsoft.com/office/drawing/2014/main" id="{48757540-E5B7-47A6-BD81-8B54DAF689FD}"/>
               </a:ext>
               <a:ext uri="{C183D7F6-B498-43B3-948B-1728B52AA6E4}">
-                <adec:decorative xmlns:adec="http://schemas.microsoft.com/office/drawing/2017/decorative" xmlns="" val="1"/>
+                <adec:decorative xmlns="" xmlns:adec="http://schemas.microsoft.com/office/drawing/2017/decorative" val="1"/>
               </a:ext>
             </a:extLst>
           </p:cNvPr>
@@ -17856,15 +17850,6 @@
 </file>
 
 <file path=customXml/item2.xml><?xml version="1.0" encoding="utf-8"?>
-<?mso-contentType ?>
-<FormTemplates xmlns="http://schemas.microsoft.com/sharepoint/v3/contenttype/forms">
-  <Display>DocumentLibraryForm</Display>
-  <Edit>DocumentLibraryForm</Edit>
-  <New>DocumentLibraryForm</New>
-</FormTemplates>
-</file>
-
-<file path=customXml/item3.xml><?xml version="1.0" encoding="utf-8"?>
 <ct:contentTypeSchema xmlns:ct="http://schemas.microsoft.com/office/2006/metadata/contentType" xmlns:ma="http://schemas.microsoft.com/office/2006/metadata/properties/metaAttributes" ct:_="" ma:_="" ma:contentTypeName="Document" ma:contentTypeID="0x01010079F111ED35F8CC479449609E8A0923A6" ma:contentTypeVersion="12" ma:contentTypeDescription="Create a new document." ma:contentTypeScope="" ma:versionID="b385d60f68dd989dca1fdc827799d853">
   <xsd:schema xmlns:xsd="http://www.w3.org/2001/XMLSchema" xmlns:xs="http://www.w3.org/2001/XMLSchema" xmlns:p="http://schemas.microsoft.com/office/2006/metadata/properties" xmlns:ns2="71af3243-3dd4-4a8d-8c0d-dd76da1f02a5" xmlns:ns3="16c05727-aa75-4e4a-9b5f-8a80a1165891" targetNamespace="http://schemas.microsoft.com/office/2006/metadata/properties" ma:root="true" ma:fieldsID="1911b479caf7b199da365455750e4572" ns2:_="" ns3:_="">
     <xsd:import namespace="71af3243-3dd4-4a8d-8c0d-dd76da1f02a5"/>
@@ -18085,6 +18070,15 @@
 </ct:contentTypeSchema>
 </file>
 
+<file path=customXml/item3.xml><?xml version="1.0" encoding="utf-8"?>
+<?mso-contentType ?>
+<FormTemplates xmlns="http://schemas.microsoft.com/sharepoint/v3/contenttype/forms">
+  <Display>DocumentLibraryForm</Display>
+  <Edit>DocumentLibraryForm</Edit>
+  <New>DocumentLibraryForm</New>
+</FormTemplates>
+</file>
+
 <file path=customXml/itemProps1.xml><?xml version="1.0" encoding="utf-8"?>
 <ds:datastoreItem xmlns:ds="http://schemas.openxmlformats.org/officeDocument/2006/customXml" ds:itemID="{F408A8D6-033A-472B-8BEB-63B8F7C284EB}">
   <ds:schemaRefs>
@@ -18096,14 +18090,6 @@
 </file>
 
 <file path=customXml/itemProps2.xml><?xml version="1.0" encoding="utf-8"?>
-<ds:datastoreItem xmlns:ds="http://schemas.openxmlformats.org/officeDocument/2006/customXml" ds:itemID="{A1CC7B47-8D79-4E1A-80B5-7F70A543A948}">
-  <ds:schemaRefs>
-    <ds:schemaRef ds:uri="http://schemas.microsoft.com/sharepoint/v3/contenttype/forms"/>
-  </ds:schemaRefs>
-</ds:datastoreItem>
-</file>
-
-<file path=customXml/itemProps3.xml><?xml version="1.0" encoding="utf-8"?>
 <ds:datastoreItem xmlns:ds="http://schemas.openxmlformats.org/officeDocument/2006/customXml" ds:itemID="{3DEBAF10-1A7F-447E-92EE-8F0A8D52905B}">
   <ds:schemaRefs>
     <ds:schemaRef ds:uri="http://schemas.microsoft.com/office/2006/metadata/contentType"/>
@@ -18120,4 +18106,12 @@
     <ds:schemaRef ds:uri="http://schemas.microsoft.com/internal/obd"/>
   </ds:schemaRefs>
 </ds:datastoreItem>
+</file>
+
+<file path=customXml/itemProps3.xml><?xml version="1.0" encoding="utf-8"?>
+<ds:datastoreItem xmlns:ds="http://schemas.openxmlformats.org/officeDocument/2006/customXml" ds:itemID="{A1CC7B47-8D79-4E1A-80B5-7F70A543A948}">
+  <ds:schemaRefs>
+    <ds:schemaRef ds:uri="http://schemas.microsoft.com/sharepoint/v3/contenttype/forms"/>
+  </ds:schemaRefs>
+</ds:datastoreItem>
 </file>